--- a/Java 8.pptx
+++ b/Java 8.pptx
@@ -4,29 +4,41 @@
   <p:sldMasterIdLst>
     <p:sldMasterId id="2147483648" r:id="rId1"/>
   </p:sldMasterIdLst>
+  <p:notesMasterIdLst>
+    <p:notesMasterId r:id="rId33"/>
+  </p:notesMasterIdLst>
   <p:sldIdLst>
     <p:sldId id="256" r:id="rId2"/>
     <p:sldId id="257" r:id="rId3"/>
-    <p:sldId id="259" r:id="rId4"/>
-    <p:sldId id="258" r:id="rId5"/>
-    <p:sldId id="261" r:id="rId6"/>
-    <p:sldId id="263" r:id="rId7"/>
-    <p:sldId id="264" r:id="rId8"/>
-    <p:sldId id="265" r:id="rId9"/>
-    <p:sldId id="267" r:id="rId10"/>
-    <p:sldId id="270" r:id="rId11"/>
-    <p:sldId id="271" r:id="rId12"/>
-    <p:sldId id="272" r:id="rId13"/>
-    <p:sldId id="273" r:id="rId14"/>
-    <p:sldId id="274" r:id="rId15"/>
-    <p:sldId id="275" r:id="rId16"/>
-    <p:sldId id="276" r:id="rId17"/>
-    <p:sldId id="277" r:id="rId18"/>
-    <p:sldId id="278" r:id="rId19"/>
-    <p:sldId id="266" r:id="rId20"/>
-    <p:sldId id="268" r:id="rId21"/>
-    <p:sldId id="269" r:id="rId22"/>
-    <p:sldId id="262" r:id="rId23"/>
+    <p:sldId id="258" r:id="rId4"/>
+    <p:sldId id="280" r:id="rId5"/>
+    <p:sldId id="279" r:id="rId6"/>
+    <p:sldId id="281" r:id="rId7"/>
+    <p:sldId id="282" r:id="rId8"/>
+    <p:sldId id="284" r:id="rId9"/>
+    <p:sldId id="286" r:id="rId10"/>
+    <p:sldId id="285" r:id="rId11"/>
+    <p:sldId id="283" r:id="rId12"/>
+    <p:sldId id="259" r:id="rId13"/>
+    <p:sldId id="261" r:id="rId14"/>
+    <p:sldId id="263" r:id="rId15"/>
+    <p:sldId id="264" r:id="rId16"/>
+    <p:sldId id="265" r:id="rId17"/>
+    <p:sldId id="267" r:id="rId18"/>
+    <p:sldId id="270" r:id="rId19"/>
+    <p:sldId id="271" r:id="rId20"/>
+    <p:sldId id="272" r:id="rId21"/>
+    <p:sldId id="273" r:id="rId22"/>
+    <p:sldId id="274" r:id="rId23"/>
+    <p:sldId id="275" r:id="rId24"/>
+    <p:sldId id="276" r:id="rId25"/>
+    <p:sldId id="277" r:id="rId26"/>
+    <p:sldId id="287" r:id="rId27"/>
+    <p:sldId id="278" r:id="rId28"/>
+    <p:sldId id="266" r:id="rId29"/>
+    <p:sldId id="268" r:id="rId30"/>
+    <p:sldId id="269" r:id="rId31"/>
+    <p:sldId id="262" r:id="rId32"/>
   </p:sldIdLst>
   <p:sldSz cx="12192000" cy="6858000"/>
   <p:notesSz cx="6858000" cy="9144000"/>
@@ -125,7 +137,1521 @@
       </a:defRPr>
     </a:lvl9pPr>
   </p:defaultTextStyle>
+  <p:extLst>
+    <p:ext uri="{EFAFB233-063F-42B5-8137-9DF3F51BA10A}">
+      <p15:sldGuideLst xmlns:p15="http://schemas.microsoft.com/office/powerpoint/2012/main"/>
+    </p:ext>
+  </p:extLst>
 </p:presentation>
+</file>
+
+<file path=ppt/notesMasters/notesMaster1.xml><?xml version="1.0" encoding="utf-8"?>
+<p:notesMaster xmlns:a="http://schemas.openxmlformats.org/drawingml/2006/main" xmlns:r="http://schemas.openxmlformats.org/officeDocument/2006/relationships" xmlns:p="http://schemas.openxmlformats.org/presentationml/2006/main">
+  <p:cSld>
+    <p:bg>
+      <p:bgRef idx="1001">
+        <a:schemeClr val="bg1"/>
+      </p:bgRef>
+    </p:bg>
+    <p:spTree>
+      <p:nvGrpSpPr>
+        <p:cNvPr id="1" name=""/>
+        <p:cNvGrpSpPr/>
+        <p:nvPr/>
+      </p:nvGrpSpPr>
+      <p:grpSpPr>
+        <a:xfrm>
+          <a:off x="0" y="0"/>
+          <a:ext cx="0" cy="0"/>
+          <a:chOff x="0" y="0"/>
+          <a:chExt cx="0" cy="0"/>
+        </a:xfrm>
+      </p:grpSpPr>
+      <p:sp>
+        <p:nvSpPr>
+          <p:cNvPr id="2" name="Header Placeholder 1"/>
+          <p:cNvSpPr>
+            <a:spLocks noGrp="1"/>
+          </p:cNvSpPr>
+          <p:nvPr>
+            <p:ph type="hdr" sz="quarter"/>
+          </p:nvPr>
+        </p:nvSpPr>
+        <p:spPr>
+          <a:xfrm>
+            <a:off x="0" y="0"/>
+            <a:ext cx="2971800" cy="458788"/>
+          </a:xfrm>
+          <a:prstGeom prst="rect">
+            <a:avLst/>
+          </a:prstGeom>
+        </p:spPr>
+        <p:txBody>
+          <a:bodyPr vert="horz" lIns="91440" tIns="45720" rIns="91440" bIns="45720" rtlCol="0"/>
+          <a:lstStyle>
+            <a:lvl1pPr algn="l">
+              <a:defRPr sz="1200"/>
+            </a:lvl1pPr>
+          </a:lstStyle>
+          <a:p>
+            <a:endParaRPr lang="en-US"/>
+          </a:p>
+        </p:txBody>
+      </p:sp>
+      <p:sp>
+        <p:nvSpPr>
+          <p:cNvPr id="3" name="Date Placeholder 2"/>
+          <p:cNvSpPr>
+            <a:spLocks noGrp="1"/>
+          </p:cNvSpPr>
+          <p:nvPr>
+            <p:ph type="dt" idx="1"/>
+          </p:nvPr>
+        </p:nvSpPr>
+        <p:spPr>
+          <a:xfrm>
+            <a:off x="3884613" y="0"/>
+            <a:ext cx="2971800" cy="458788"/>
+          </a:xfrm>
+          <a:prstGeom prst="rect">
+            <a:avLst/>
+          </a:prstGeom>
+        </p:spPr>
+        <p:txBody>
+          <a:bodyPr vert="horz" lIns="91440" tIns="45720" rIns="91440" bIns="45720" rtlCol="0"/>
+          <a:lstStyle>
+            <a:lvl1pPr algn="r">
+              <a:defRPr sz="1200"/>
+            </a:lvl1pPr>
+          </a:lstStyle>
+          <a:p>
+            <a:fld id="{3B9DA877-D7A3-9849-A1C1-60344EB74A0B}" type="datetimeFigureOut">
+              <a:rPr lang="en-US" smtClean="0"/>
+              <a:t>1/26/20</a:t>
+            </a:fld>
+            <a:endParaRPr lang="en-US"/>
+          </a:p>
+        </p:txBody>
+      </p:sp>
+      <p:sp>
+        <p:nvSpPr>
+          <p:cNvPr id="4" name="Slide Image Placeholder 3"/>
+          <p:cNvSpPr>
+            <a:spLocks noGrp="1" noRot="1" noChangeAspect="1"/>
+          </p:cNvSpPr>
+          <p:nvPr>
+            <p:ph type="sldImg" idx="2"/>
+          </p:nvPr>
+        </p:nvSpPr>
+        <p:spPr>
+          <a:xfrm>
+            <a:off x="685800" y="1143000"/>
+            <a:ext cx="5486400" cy="3086100"/>
+          </a:xfrm>
+          <a:prstGeom prst="rect">
+            <a:avLst/>
+          </a:prstGeom>
+          <a:noFill/>
+          <a:ln w="12700">
+            <a:solidFill>
+              <a:prstClr val="black"/>
+            </a:solidFill>
+          </a:ln>
+        </p:spPr>
+        <p:txBody>
+          <a:bodyPr vert="horz" lIns="91440" tIns="45720" rIns="91440" bIns="45720" rtlCol="0" anchor="ctr"/>
+          <a:lstStyle/>
+          <a:p>
+            <a:endParaRPr lang="en-US"/>
+          </a:p>
+        </p:txBody>
+      </p:sp>
+      <p:sp>
+        <p:nvSpPr>
+          <p:cNvPr id="5" name="Notes Placeholder 4"/>
+          <p:cNvSpPr>
+            <a:spLocks noGrp="1"/>
+          </p:cNvSpPr>
+          <p:nvPr>
+            <p:ph type="body" sz="quarter" idx="3"/>
+          </p:nvPr>
+        </p:nvSpPr>
+        <p:spPr>
+          <a:xfrm>
+            <a:off x="685800" y="4400550"/>
+            <a:ext cx="5486400" cy="3600450"/>
+          </a:xfrm>
+          <a:prstGeom prst="rect">
+            <a:avLst/>
+          </a:prstGeom>
+        </p:spPr>
+        <p:txBody>
+          <a:bodyPr vert="horz" lIns="91440" tIns="45720" rIns="91440" bIns="45720" rtlCol="0"/>
+          <a:lstStyle/>
+          <a:p>
+            <a:pPr lvl="0"/>
+            <a:r>
+              <a:rPr lang="en-US"/>
+              <a:t>Click to edit Master text styles</a:t>
+            </a:r>
+          </a:p>
+          <a:p>
+            <a:pPr lvl="1"/>
+            <a:r>
+              <a:rPr lang="en-US"/>
+              <a:t>Second level</a:t>
+            </a:r>
+          </a:p>
+          <a:p>
+            <a:pPr lvl="2"/>
+            <a:r>
+              <a:rPr lang="en-US"/>
+              <a:t>Third level</a:t>
+            </a:r>
+          </a:p>
+          <a:p>
+            <a:pPr lvl="3"/>
+            <a:r>
+              <a:rPr lang="en-US"/>
+              <a:t>Fourth level</a:t>
+            </a:r>
+          </a:p>
+          <a:p>
+            <a:pPr lvl="4"/>
+            <a:r>
+              <a:rPr lang="en-US"/>
+              <a:t>Fifth level</a:t>
+            </a:r>
+          </a:p>
+        </p:txBody>
+      </p:sp>
+      <p:sp>
+        <p:nvSpPr>
+          <p:cNvPr id="6" name="Footer Placeholder 5"/>
+          <p:cNvSpPr>
+            <a:spLocks noGrp="1"/>
+          </p:cNvSpPr>
+          <p:nvPr>
+            <p:ph type="ftr" sz="quarter" idx="4"/>
+          </p:nvPr>
+        </p:nvSpPr>
+        <p:spPr>
+          <a:xfrm>
+            <a:off x="0" y="8685213"/>
+            <a:ext cx="2971800" cy="458787"/>
+          </a:xfrm>
+          <a:prstGeom prst="rect">
+            <a:avLst/>
+          </a:prstGeom>
+        </p:spPr>
+        <p:txBody>
+          <a:bodyPr vert="horz" lIns="91440" tIns="45720" rIns="91440" bIns="45720" rtlCol="0" anchor="b"/>
+          <a:lstStyle>
+            <a:lvl1pPr algn="l">
+              <a:defRPr sz="1200"/>
+            </a:lvl1pPr>
+          </a:lstStyle>
+          <a:p>
+            <a:endParaRPr lang="en-US"/>
+          </a:p>
+        </p:txBody>
+      </p:sp>
+      <p:sp>
+        <p:nvSpPr>
+          <p:cNvPr id="7" name="Slide Number Placeholder 6"/>
+          <p:cNvSpPr>
+            <a:spLocks noGrp="1"/>
+          </p:cNvSpPr>
+          <p:nvPr>
+            <p:ph type="sldNum" sz="quarter" idx="5"/>
+          </p:nvPr>
+        </p:nvSpPr>
+        <p:spPr>
+          <a:xfrm>
+            <a:off x="3884613" y="8685213"/>
+            <a:ext cx="2971800" cy="458787"/>
+          </a:xfrm>
+          <a:prstGeom prst="rect">
+            <a:avLst/>
+          </a:prstGeom>
+        </p:spPr>
+        <p:txBody>
+          <a:bodyPr vert="horz" lIns="91440" tIns="45720" rIns="91440" bIns="45720" rtlCol="0" anchor="b"/>
+          <a:lstStyle>
+            <a:lvl1pPr algn="r">
+              <a:defRPr sz="1200"/>
+            </a:lvl1pPr>
+          </a:lstStyle>
+          <a:p>
+            <a:fld id="{89BF459E-7F1B-5D4F-8782-25B8073C7B7E}" type="slidenum">
+              <a:rPr lang="en-US" smtClean="0"/>
+              <a:t>‹#›</a:t>
+            </a:fld>
+            <a:endParaRPr lang="en-US"/>
+          </a:p>
+        </p:txBody>
+      </p:sp>
+    </p:spTree>
+    <p:extLst>
+      <p:ext uri="{BB962C8B-B14F-4D97-AF65-F5344CB8AC3E}">
+        <p14:creationId xmlns:p14="http://schemas.microsoft.com/office/powerpoint/2010/main" val="2768756178"/>
+      </p:ext>
+    </p:extLst>
+  </p:cSld>
+  <p:clrMap bg1="lt1" tx1="dk1" bg2="lt2" tx2="dk2" accent1="accent1" accent2="accent2" accent3="accent3" accent4="accent4" accent5="accent5" accent6="accent6" hlink="hlink" folHlink="folHlink"/>
+  <p:notesStyle>
+    <a:lvl1pPr marL="0" algn="l" defTabSz="914400" rtl="0" eaLnBrk="1" latinLnBrk="0" hangingPunct="1">
+      <a:defRPr sz="1200" kern="1200">
+        <a:solidFill>
+          <a:schemeClr val="tx1"/>
+        </a:solidFill>
+        <a:latin typeface="+mn-lt"/>
+        <a:ea typeface="+mn-ea"/>
+        <a:cs typeface="+mn-cs"/>
+      </a:defRPr>
+    </a:lvl1pPr>
+    <a:lvl2pPr marL="457200" algn="l" defTabSz="914400" rtl="0" eaLnBrk="1" latinLnBrk="0" hangingPunct="1">
+      <a:defRPr sz="1200" kern="1200">
+        <a:solidFill>
+          <a:schemeClr val="tx1"/>
+        </a:solidFill>
+        <a:latin typeface="+mn-lt"/>
+        <a:ea typeface="+mn-ea"/>
+        <a:cs typeface="+mn-cs"/>
+      </a:defRPr>
+    </a:lvl2pPr>
+    <a:lvl3pPr marL="914400" algn="l" defTabSz="914400" rtl="0" eaLnBrk="1" latinLnBrk="0" hangingPunct="1">
+      <a:defRPr sz="1200" kern="1200">
+        <a:solidFill>
+          <a:schemeClr val="tx1"/>
+        </a:solidFill>
+        <a:latin typeface="+mn-lt"/>
+        <a:ea typeface="+mn-ea"/>
+        <a:cs typeface="+mn-cs"/>
+      </a:defRPr>
+    </a:lvl3pPr>
+    <a:lvl4pPr marL="1371600" algn="l" defTabSz="914400" rtl="0" eaLnBrk="1" latinLnBrk="0" hangingPunct="1">
+      <a:defRPr sz="1200" kern="1200">
+        <a:solidFill>
+          <a:schemeClr val="tx1"/>
+        </a:solidFill>
+        <a:latin typeface="+mn-lt"/>
+        <a:ea typeface="+mn-ea"/>
+        <a:cs typeface="+mn-cs"/>
+      </a:defRPr>
+    </a:lvl4pPr>
+    <a:lvl5pPr marL="1828800" algn="l" defTabSz="914400" rtl="0" eaLnBrk="1" latinLnBrk="0" hangingPunct="1">
+      <a:defRPr sz="1200" kern="1200">
+        <a:solidFill>
+          <a:schemeClr val="tx1"/>
+        </a:solidFill>
+        <a:latin typeface="+mn-lt"/>
+        <a:ea typeface="+mn-ea"/>
+        <a:cs typeface="+mn-cs"/>
+      </a:defRPr>
+    </a:lvl5pPr>
+    <a:lvl6pPr marL="2286000" algn="l" defTabSz="914400" rtl="0" eaLnBrk="1" latinLnBrk="0" hangingPunct="1">
+      <a:defRPr sz="1200" kern="1200">
+        <a:solidFill>
+          <a:schemeClr val="tx1"/>
+        </a:solidFill>
+        <a:latin typeface="+mn-lt"/>
+        <a:ea typeface="+mn-ea"/>
+        <a:cs typeface="+mn-cs"/>
+      </a:defRPr>
+    </a:lvl6pPr>
+    <a:lvl7pPr marL="2743200" algn="l" defTabSz="914400" rtl="0" eaLnBrk="1" latinLnBrk="0" hangingPunct="1">
+      <a:defRPr sz="1200" kern="1200">
+        <a:solidFill>
+          <a:schemeClr val="tx1"/>
+        </a:solidFill>
+        <a:latin typeface="+mn-lt"/>
+        <a:ea typeface="+mn-ea"/>
+        <a:cs typeface="+mn-cs"/>
+      </a:defRPr>
+    </a:lvl7pPr>
+    <a:lvl8pPr marL="3200400" algn="l" defTabSz="914400" rtl="0" eaLnBrk="1" latinLnBrk="0" hangingPunct="1">
+      <a:defRPr sz="1200" kern="1200">
+        <a:solidFill>
+          <a:schemeClr val="tx1"/>
+        </a:solidFill>
+        <a:latin typeface="+mn-lt"/>
+        <a:ea typeface="+mn-ea"/>
+        <a:cs typeface="+mn-cs"/>
+      </a:defRPr>
+    </a:lvl8pPr>
+    <a:lvl9pPr marL="3657600" algn="l" defTabSz="914400" rtl="0" eaLnBrk="1" latinLnBrk="0" hangingPunct="1">
+      <a:defRPr sz="1200" kern="1200">
+        <a:solidFill>
+          <a:schemeClr val="tx1"/>
+        </a:solidFill>
+        <a:latin typeface="+mn-lt"/>
+        <a:ea typeface="+mn-ea"/>
+        <a:cs typeface="+mn-cs"/>
+      </a:defRPr>
+    </a:lvl9pPr>
+  </p:notesStyle>
+</p:notesMaster>
+</file>
+
+<file path=ppt/notesSlides/notesSlide1.xml><?xml version="1.0" encoding="utf-8"?>
+<p:notes xmlns:a="http://schemas.openxmlformats.org/drawingml/2006/main" xmlns:r="http://schemas.openxmlformats.org/officeDocument/2006/relationships" xmlns:p="http://schemas.openxmlformats.org/presentationml/2006/main">
+  <p:cSld>
+    <p:spTree>
+      <p:nvGrpSpPr>
+        <p:cNvPr id="1" name=""/>
+        <p:cNvGrpSpPr/>
+        <p:nvPr/>
+      </p:nvGrpSpPr>
+      <p:grpSpPr>
+        <a:xfrm>
+          <a:off x="0" y="0"/>
+          <a:ext cx="0" cy="0"/>
+          <a:chOff x="0" y="0"/>
+          <a:chExt cx="0" cy="0"/>
+        </a:xfrm>
+      </p:grpSpPr>
+      <p:sp>
+        <p:nvSpPr>
+          <p:cNvPr id="2" name="Slide Image Placeholder 1"/>
+          <p:cNvSpPr>
+            <a:spLocks noGrp="1" noRot="1" noChangeAspect="1"/>
+          </p:cNvSpPr>
+          <p:nvPr>
+            <p:ph type="sldImg"/>
+          </p:nvPr>
+        </p:nvSpPr>
+        <p:spPr/>
+      </p:sp>
+      <p:sp>
+        <p:nvSpPr>
+          <p:cNvPr id="3" name="Notes Placeholder 2"/>
+          <p:cNvSpPr>
+            <a:spLocks noGrp="1"/>
+          </p:cNvSpPr>
+          <p:nvPr>
+            <p:ph type="body" idx="1"/>
+          </p:nvPr>
+        </p:nvSpPr>
+        <p:spPr/>
+        <p:txBody>
+          <a:bodyPr/>
+          <a:lstStyle/>
+          <a:p>
+            <a:r>
+              <a:rPr lang="en-US" dirty="0"/>
+              <a:t>int x= 10</a:t>
+            </a:r>
+          </a:p>
+          <a:p>
+            <a:r>
+              <a:rPr lang="en-US" dirty="0"/>
+              <a:t>Int y = 11</a:t>
+            </a:r>
+          </a:p>
+          <a:p>
+            <a:r>
+              <a:rPr lang="en-US" dirty="0"/>
+              <a:t>Int  z=12</a:t>
+            </a:r>
+          </a:p>
+          <a:p>
+            <a:endParaRPr lang="en-US" dirty="0"/>
+          </a:p>
+          <a:p>
+            <a:r>
+              <a:rPr lang="en-US" dirty="0"/>
+              <a:t>Student</a:t>
+            </a:r>
+          </a:p>
+          <a:p>
+            <a:endParaRPr lang="en-US" dirty="0"/>
+          </a:p>
+          <a:p>
+            <a:r>
+              <a:rPr lang="en-US" dirty="0"/>
+              <a:t>Student student=new Student()</a:t>
+            </a:r>
+          </a:p>
+          <a:p>
+            <a:endParaRPr lang="en-US" dirty="0"/>
+          </a:p>
+          <a:p>
+            <a:r>
+              <a:rPr lang="en-US" dirty="0"/>
+              <a:t>We are storing individual 3 variable to represent 3 values</a:t>
+            </a:r>
+          </a:p>
+          <a:p>
+            <a:endParaRPr lang="en-US" dirty="0"/>
+          </a:p>
+          <a:p>
+            <a:r>
+              <a:rPr lang="en-US" dirty="0"/>
+              <a:t>What do if we to declare 10000 values  arrays</a:t>
+            </a:r>
+          </a:p>
+          <a:p>
+            <a:endParaRPr lang="en-US" dirty="0"/>
+          </a:p>
+          <a:p>
+            <a:endParaRPr lang="en-US" dirty="0"/>
+          </a:p>
+          <a:p>
+            <a:r>
+              <a:rPr lang="en-US" dirty="0"/>
+              <a:t>Employee [] emp=new Employee[10000]</a:t>
+            </a:r>
+          </a:p>
+          <a:p>
+            <a:endParaRPr lang="en-US" dirty="0"/>
+          </a:p>
+          <a:p>
+            <a:r>
+              <a:rPr lang="en-US" dirty="0"/>
+              <a:t>So readability of the code is increased</a:t>
+            </a:r>
+          </a:p>
+          <a:p>
+            <a:endParaRPr lang="en-US" dirty="0"/>
+          </a:p>
+          <a:p>
+            <a:r>
+              <a:rPr lang="en-US" dirty="0"/>
+              <a:t>Huge number of values can be stored</a:t>
+            </a:r>
+          </a:p>
+          <a:p>
+            <a:endParaRPr lang="en-US" dirty="0"/>
+          </a:p>
+          <a:p>
+            <a:r>
+              <a:rPr lang="en-US" dirty="0"/>
+              <a:t>Fixed in size</a:t>
+            </a:r>
+          </a:p>
+          <a:p>
+            <a:r>
+              <a:rPr lang="en-US" dirty="0"/>
+              <a:t>Arrays can hold homogenous data only </a:t>
+            </a:r>
+          </a:p>
+          <a:p>
+            <a:pPr marL="0" marR="0" lvl="0" indent="0" algn="l" defTabSz="914400" rtl="0" eaLnBrk="1" fontAlgn="auto" latinLnBrk="0" hangingPunct="1">
+              <a:lnSpc>
+                <a:spcPct val="100000"/>
+              </a:lnSpc>
+              <a:spcBef>
+                <a:spcPts val="0"/>
+              </a:spcBef>
+              <a:spcAft>
+                <a:spcPts val="0"/>
+              </a:spcAft>
+              <a:buClrTx/>
+              <a:buSzTx/>
+              <a:buFontTx/>
+              <a:buNone/>
+              <a:tabLst/>
+              <a:defRPr/>
+            </a:pPr>
+            <a:r>
+              <a:rPr lang="en-US" dirty="0"/>
+              <a:t>Employee [] emp=new Employee[10000]</a:t>
+            </a:r>
+          </a:p>
+          <a:p>
+            <a:r>
+              <a:rPr lang="en-US" dirty="0"/>
+              <a:t>Emp[0]=new Employee();</a:t>
+            </a:r>
+          </a:p>
+          <a:p>
+            <a:r>
+              <a:rPr lang="en-US" dirty="0"/>
+              <a:t>Emp[1]=new Owner();</a:t>
+            </a:r>
+          </a:p>
+          <a:p>
+            <a:r>
+              <a:rPr lang="en-US" dirty="0"/>
+              <a:t>Throws incompatible type Object</a:t>
+            </a:r>
+          </a:p>
+          <a:p>
+            <a:endParaRPr lang="en-US" dirty="0"/>
+          </a:p>
+          <a:p>
+            <a:endParaRPr lang="en-US" dirty="0"/>
+          </a:p>
+          <a:p>
+            <a:r>
+              <a:rPr lang="en-US" dirty="0"/>
+              <a:t>To make  Heterogenous</a:t>
+            </a:r>
+          </a:p>
+          <a:p>
+            <a:r>
+              <a:rPr lang="en-US" dirty="0"/>
+              <a:t>Object [] obj=new Object[10000]</a:t>
+            </a:r>
+          </a:p>
+          <a:p>
+            <a:r>
+              <a:rPr lang="en-US" dirty="0"/>
+              <a:t>Obj[0]=New Employee();</a:t>
+            </a:r>
+          </a:p>
+          <a:p>
+            <a:r>
+              <a:rPr lang="en-US" dirty="0"/>
+              <a:t>Obj[1]=New Owner</a:t>
+            </a:r>
+          </a:p>
+          <a:p>
+            <a:endParaRPr lang="en-US" dirty="0"/>
+          </a:p>
+          <a:p>
+            <a:r>
+              <a:rPr lang="en-US" dirty="0"/>
+              <a:t> </a:t>
+            </a:r>
+          </a:p>
+          <a:p>
+            <a:endParaRPr lang="en-US" dirty="0"/>
+          </a:p>
+          <a:p>
+            <a:endParaRPr lang="en-US" dirty="0"/>
+          </a:p>
+          <a:p>
+            <a:endParaRPr lang="en-US" dirty="0"/>
+          </a:p>
+          <a:p>
+            <a:endParaRPr lang="en-US" dirty="0"/>
+          </a:p>
+          <a:p>
+            <a:endParaRPr lang="en-US" dirty="0"/>
+          </a:p>
+          <a:p>
+            <a:endParaRPr lang="en-US" dirty="0"/>
+          </a:p>
+        </p:txBody>
+      </p:sp>
+      <p:sp>
+        <p:nvSpPr>
+          <p:cNvPr id="4" name="Slide Number Placeholder 3"/>
+          <p:cNvSpPr>
+            <a:spLocks noGrp="1"/>
+          </p:cNvSpPr>
+          <p:nvPr>
+            <p:ph type="sldNum" sz="quarter" idx="5"/>
+          </p:nvPr>
+        </p:nvSpPr>
+        <p:spPr/>
+        <p:txBody>
+          <a:bodyPr/>
+          <a:lstStyle/>
+          <a:p>
+            <a:fld id="{89BF459E-7F1B-5D4F-8782-25B8073C7B7E}" type="slidenum">
+              <a:rPr lang="en-US" smtClean="0"/>
+              <a:t>3</a:t>
+            </a:fld>
+            <a:endParaRPr lang="en-US"/>
+          </a:p>
+        </p:txBody>
+      </p:sp>
+    </p:spTree>
+    <p:extLst>
+      <p:ext uri="{BB962C8B-B14F-4D97-AF65-F5344CB8AC3E}">
+        <p14:creationId xmlns:p14="http://schemas.microsoft.com/office/powerpoint/2010/main" val="1555647579"/>
+      </p:ext>
+    </p:extLst>
+  </p:cSld>
+  <p:clrMapOvr>
+    <a:masterClrMapping/>
+  </p:clrMapOvr>
+</p:notes>
+</file>
+
+<file path=ppt/notesSlides/notesSlide10.xml><?xml version="1.0" encoding="utf-8"?>
+<p:notes xmlns:a="http://schemas.openxmlformats.org/drawingml/2006/main" xmlns:r="http://schemas.openxmlformats.org/officeDocument/2006/relationships" xmlns:p="http://schemas.openxmlformats.org/presentationml/2006/main">
+  <p:cSld>
+    <p:spTree>
+      <p:nvGrpSpPr>
+        <p:cNvPr id="1" name=""/>
+        <p:cNvGrpSpPr/>
+        <p:nvPr/>
+      </p:nvGrpSpPr>
+      <p:grpSpPr>
+        <a:xfrm>
+          <a:off x="0" y="0"/>
+          <a:ext cx="0" cy="0"/>
+          <a:chOff x="0" y="0"/>
+          <a:chExt cx="0" cy="0"/>
+        </a:xfrm>
+      </p:grpSpPr>
+      <p:sp>
+        <p:nvSpPr>
+          <p:cNvPr id="2" name="Slide Image Placeholder 1"/>
+          <p:cNvSpPr>
+            <a:spLocks noGrp="1" noRot="1" noChangeAspect="1"/>
+          </p:cNvSpPr>
+          <p:nvPr>
+            <p:ph type="sldImg"/>
+          </p:nvPr>
+        </p:nvSpPr>
+        <p:spPr/>
+      </p:sp>
+      <p:sp>
+        <p:nvSpPr>
+          <p:cNvPr id="3" name="Notes Placeholder 2"/>
+          <p:cNvSpPr>
+            <a:spLocks noGrp="1"/>
+          </p:cNvSpPr>
+          <p:nvPr>
+            <p:ph type="body" idx="1"/>
+          </p:nvPr>
+        </p:nvSpPr>
+        <p:spPr/>
+        <p:txBody>
+          <a:bodyPr/>
+          <a:lstStyle/>
+          <a:p>
+            <a:r>
+              <a:rPr lang="en-US" dirty="0"/>
+              <a:t>Object should be highly Cohesive</a:t>
+            </a:r>
+          </a:p>
+          <a:p>
+            <a:r>
+              <a:rPr lang="en-US" dirty="0"/>
+              <a:t>Object should be loosely     Coupled</a:t>
+            </a:r>
+          </a:p>
+        </p:txBody>
+      </p:sp>
+      <p:sp>
+        <p:nvSpPr>
+          <p:cNvPr id="4" name="Slide Number Placeholder 3"/>
+          <p:cNvSpPr>
+            <a:spLocks noGrp="1"/>
+          </p:cNvSpPr>
+          <p:nvPr>
+            <p:ph type="sldNum" sz="quarter" idx="5"/>
+          </p:nvPr>
+        </p:nvSpPr>
+        <p:spPr/>
+        <p:txBody>
+          <a:bodyPr/>
+          <a:lstStyle/>
+          <a:p>
+            <a:fld id="{89BF459E-7F1B-5D4F-8782-25B8073C7B7E}" type="slidenum">
+              <a:rPr lang="en-US" smtClean="0"/>
+              <a:t>25</a:t>
+            </a:fld>
+            <a:endParaRPr lang="en-US"/>
+          </a:p>
+        </p:txBody>
+      </p:sp>
+    </p:spTree>
+    <p:extLst>
+      <p:ext uri="{BB962C8B-B14F-4D97-AF65-F5344CB8AC3E}">
+        <p14:creationId xmlns:p14="http://schemas.microsoft.com/office/powerpoint/2010/main" val="631637068"/>
+      </p:ext>
+    </p:extLst>
+  </p:cSld>
+  <p:clrMapOvr>
+    <a:masterClrMapping/>
+  </p:clrMapOvr>
+</p:notes>
+</file>
+
+<file path=ppt/notesSlides/notesSlide11.xml><?xml version="1.0" encoding="utf-8"?>
+<p:notes xmlns:a="http://schemas.openxmlformats.org/drawingml/2006/main" xmlns:r="http://schemas.openxmlformats.org/officeDocument/2006/relationships" xmlns:p="http://schemas.openxmlformats.org/presentationml/2006/main">
+  <p:cSld>
+    <p:spTree>
+      <p:nvGrpSpPr>
+        <p:cNvPr id="1" name=""/>
+        <p:cNvGrpSpPr/>
+        <p:nvPr/>
+      </p:nvGrpSpPr>
+      <p:grpSpPr>
+        <a:xfrm>
+          <a:off x="0" y="0"/>
+          <a:ext cx="0" cy="0"/>
+          <a:chOff x="0" y="0"/>
+          <a:chExt cx="0" cy="0"/>
+        </a:xfrm>
+      </p:grpSpPr>
+      <p:sp>
+        <p:nvSpPr>
+          <p:cNvPr id="2" name="Slide Image Placeholder 1"/>
+          <p:cNvSpPr>
+            <a:spLocks noGrp="1" noRot="1" noChangeAspect="1"/>
+          </p:cNvSpPr>
+          <p:nvPr>
+            <p:ph type="sldImg"/>
+          </p:nvPr>
+        </p:nvSpPr>
+        <p:spPr/>
+      </p:sp>
+      <p:sp>
+        <p:nvSpPr>
+          <p:cNvPr id="3" name="Notes Placeholder 2"/>
+          <p:cNvSpPr>
+            <a:spLocks noGrp="1"/>
+          </p:cNvSpPr>
+          <p:nvPr>
+            <p:ph type="body" idx="1"/>
+          </p:nvPr>
+        </p:nvSpPr>
+        <p:spPr/>
+        <p:txBody>
+          <a:bodyPr/>
+          <a:lstStyle/>
+          <a:p>
+            <a:r>
+              <a:rPr lang="en-US" dirty="0"/>
+              <a:t>Object should be highly Cohesive</a:t>
+            </a:r>
+          </a:p>
+          <a:p>
+            <a:r>
+              <a:rPr lang="en-US" dirty="0"/>
+              <a:t>Object should be loosely     Coupled</a:t>
+            </a:r>
+          </a:p>
+        </p:txBody>
+      </p:sp>
+      <p:sp>
+        <p:nvSpPr>
+          <p:cNvPr id="4" name="Slide Number Placeholder 3"/>
+          <p:cNvSpPr>
+            <a:spLocks noGrp="1"/>
+          </p:cNvSpPr>
+          <p:nvPr>
+            <p:ph type="sldNum" sz="quarter" idx="5"/>
+          </p:nvPr>
+        </p:nvSpPr>
+        <p:spPr/>
+        <p:txBody>
+          <a:bodyPr/>
+          <a:lstStyle/>
+          <a:p>
+            <a:fld id="{89BF459E-7F1B-5D4F-8782-25B8073C7B7E}" type="slidenum">
+              <a:rPr lang="en-US" smtClean="0"/>
+              <a:t>26</a:t>
+            </a:fld>
+            <a:endParaRPr lang="en-US"/>
+          </a:p>
+        </p:txBody>
+      </p:sp>
+    </p:spTree>
+    <p:extLst>
+      <p:ext uri="{BB962C8B-B14F-4D97-AF65-F5344CB8AC3E}">
+        <p14:creationId xmlns:p14="http://schemas.microsoft.com/office/powerpoint/2010/main" val="3141496257"/>
+      </p:ext>
+    </p:extLst>
+  </p:cSld>
+  <p:clrMapOvr>
+    <a:masterClrMapping/>
+  </p:clrMapOvr>
+</p:notes>
+</file>
+
+<file path=ppt/notesSlides/notesSlide2.xml><?xml version="1.0" encoding="utf-8"?>
+<p:notes xmlns:a="http://schemas.openxmlformats.org/drawingml/2006/main" xmlns:r="http://schemas.openxmlformats.org/officeDocument/2006/relationships" xmlns:p="http://schemas.openxmlformats.org/presentationml/2006/main">
+  <p:cSld>
+    <p:spTree>
+      <p:nvGrpSpPr>
+        <p:cNvPr id="1" name=""/>
+        <p:cNvGrpSpPr/>
+        <p:nvPr/>
+      </p:nvGrpSpPr>
+      <p:grpSpPr>
+        <a:xfrm>
+          <a:off x="0" y="0"/>
+          <a:ext cx="0" cy="0"/>
+          <a:chOff x="0" y="0"/>
+          <a:chExt cx="0" cy="0"/>
+        </a:xfrm>
+      </p:grpSpPr>
+      <p:sp>
+        <p:nvSpPr>
+          <p:cNvPr id="2" name="Slide Image Placeholder 1"/>
+          <p:cNvSpPr>
+            <a:spLocks noGrp="1" noRot="1" noChangeAspect="1"/>
+          </p:cNvSpPr>
+          <p:nvPr>
+            <p:ph type="sldImg"/>
+          </p:nvPr>
+        </p:nvSpPr>
+        <p:spPr/>
+      </p:sp>
+      <p:sp>
+        <p:nvSpPr>
+          <p:cNvPr id="3" name="Notes Placeholder 2"/>
+          <p:cNvSpPr>
+            <a:spLocks noGrp="1"/>
+          </p:cNvSpPr>
+          <p:nvPr>
+            <p:ph type="body" idx="1"/>
+          </p:nvPr>
+        </p:nvSpPr>
+        <p:spPr/>
+        <p:txBody>
+          <a:bodyPr/>
+          <a:lstStyle/>
+          <a:p>
+            <a:endParaRPr lang="en-US" dirty="0"/>
+          </a:p>
+          <a:p>
+            <a:endParaRPr lang="en-US" dirty="0"/>
+          </a:p>
+        </p:txBody>
+      </p:sp>
+      <p:sp>
+        <p:nvSpPr>
+          <p:cNvPr id="4" name="Slide Number Placeholder 3"/>
+          <p:cNvSpPr>
+            <a:spLocks noGrp="1"/>
+          </p:cNvSpPr>
+          <p:nvPr>
+            <p:ph type="sldNum" sz="quarter" idx="5"/>
+          </p:nvPr>
+        </p:nvSpPr>
+        <p:spPr/>
+        <p:txBody>
+          <a:bodyPr/>
+          <a:lstStyle/>
+          <a:p>
+            <a:fld id="{89BF459E-7F1B-5D4F-8782-25B8073C7B7E}" type="slidenum">
+              <a:rPr lang="en-US" smtClean="0"/>
+              <a:t>4</a:t>
+            </a:fld>
+            <a:endParaRPr lang="en-US"/>
+          </a:p>
+        </p:txBody>
+      </p:sp>
+    </p:spTree>
+    <p:extLst>
+      <p:ext uri="{BB962C8B-B14F-4D97-AF65-F5344CB8AC3E}">
+        <p14:creationId xmlns:p14="http://schemas.microsoft.com/office/powerpoint/2010/main" val="501566989"/>
+      </p:ext>
+    </p:extLst>
+  </p:cSld>
+  <p:clrMapOvr>
+    <a:masterClrMapping/>
+  </p:clrMapOvr>
+</p:notes>
+</file>
+
+<file path=ppt/notesSlides/notesSlide3.xml><?xml version="1.0" encoding="utf-8"?>
+<p:notes xmlns:a="http://schemas.openxmlformats.org/drawingml/2006/main" xmlns:r="http://schemas.openxmlformats.org/officeDocument/2006/relationships" xmlns:p="http://schemas.openxmlformats.org/presentationml/2006/main">
+  <p:cSld>
+    <p:spTree>
+      <p:nvGrpSpPr>
+        <p:cNvPr id="1" name=""/>
+        <p:cNvGrpSpPr/>
+        <p:nvPr/>
+      </p:nvGrpSpPr>
+      <p:grpSpPr>
+        <a:xfrm>
+          <a:off x="0" y="0"/>
+          <a:ext cx="0" cy="0"/>
+          <a:chOff x="0" y="0"/>
+          <a:chExt cx="0" cy="0"/>
+        </a:xfrm>
+      </p:grpSpPr>
+      <p:sp>
+        <p:nvSpPr>
+          <p:cNvPr id="2" name="Slide Image Placeholder 1"/>
+          <p:cNvSpPr>
+            <a:spLocks noGrp="1" noRot="1" noChangeAspect="1"/>
+          </p:cNvSpPr>
+          <p:nvPr>
+            <p:ph type="sldImg"/>
+          </p:nvPr>
+        </p:nvSpPr>
+        <p:spPr/>
+      </p:sp>
+      <p:sp>
+        <p:nvSpPr>
+          <p:cNvPr id="3" name="Notes Placeholder 2"/>
+          <p:cNvSpPr>
+            <a:spLocks noGrp="1"/>
+          </p:cNvSpPr>
+          <p:nvPr>
+            <p:ph type="body" idx="1"/>
+          </p:nvPr>
+        </p:nvSpPr>
+        <p:spPr/>
+        <p:txBody>
+          <a:bodyPr/>
+          <a:lstStyle/>
+          <a:p>
+            <a:endParaRPr lang="en-US" dirty="0"/>
+          </a:p>
+          <a:p>
+            <a:endParaRPr lang="en-US" dirty="0"/>
+          </a:p>
+        </p:txBody>
+      </p:sp>
+      <p:sp>
+        <p:nvSpPr>
+          <p:cNvPr id="4" name="Slide Number Placeholder 3"/>
+          <p:cNvSpPr>
+            <a:spLocks noGrp="1"/>
+          </p:cNvSpPr>
+          <p:nvPr>
+            <p:ph type="sldNum" sz="quarter" idx="5"/>
+          </p:nvPr>
+        </p:nvSpPr>
+        <p:spPr/>
+        <p:txBody>
+          <a:bodyPr/>
+          <a:lstStyle/>
+          <a:p>
+            <a:fld id="{89BF459E-7F1B-5D4F-8782-25B8073C7B7E}" type="slidenum">
+              <a:rPr lang="en-US" smtClean="0"/>
+              <a:t>5</a:t>
+            </a:fld>
+            <a:endParaRPr lang="en-US"/>
+          </a:p>
+        </p:txBody>
+      </p:sp>
+    </p:spTree>
+    <p:extLst>
+      <p:ext uri="{BB962C8B-B14F-4D97-AF65-F5344CB8AC3E}">
+        <p14:creationId xmlns:p14="http://schemas.microsoft.com/office/powerpoint/2010/main" val="479383848"/>
+      </p:ext>
+    </p:extLst>
+  </p:cSld>
+  <p:clrMapOvr>
+    <a:masterClrMapping/>
+  </p:clrMapOvr>
+</p:notes>
+</file>
+
+<file path=ppt/notesSlides/notesSlide4.xml><?xml version="1.0" encoding="utf-8"?>
+<p:notes xmlns:a="http://schemas.openxmlformats.org/drawingml/2006/main" xmlns:r="http://schemas.openxmlformats.org/officeDocument/2006/relationships" xmlns:p="http://schemas.openxmlformats.org/presentationml/2006/main">
+  <p:cSld>
+    <p:spTree>
+      <p:nvGrpSpPr>
+        <p:cNvPr id="1" name=""/>
+        <p:cNvGrpSpPr/>
+        <p:nvPr/>
+      </p:nvGrpSpPr>
+      <p:grpSpPr>
+        <a:xfrm>
+          <a:off x="0" y="0"/>
+          <a:ext cx="0" cy="0"/>
+          <a:chOff x="0" y="0"/>
+          <a:chExt cx="0" cy="0"/>
+        </a:xfrm>
+      </p:grpSpPr>
+      <p:sp>
+        <p:nvSpPr>
+          <p:cNvPr id="2" name="Slide Image Placeholder 1"/>
+          <p:cNvSpPr>
+            <a:spLocks noGrp="1" noRot="1" noChangeAspect="1"/>
+          </p:cNvSpPr>
+          <p:nvPr>
+            <p:ph type="sldImg"/>
+          </p:nvPr>
+        </p:nvSpPr>
+        <p:spPr/>
+      </p:sp>
+      <p:sp>
+        <p:nvSpPr>
+          <p:cNvPr id="3" name="Notes Placeholder 2"/>
+          <p:cNvSpPr>
+            <a:spLocks noGrp="1"/>
+          </p:cNvSpPr>
+          <p:nvPr>
+            <p:ph type="body" idx="1"/>
+          </p:nvPr>
+        </p:nvSpPr>
+        <p:spPr/>
+        <p:txBody>
+          <a:bodyPr/>
+          <a:lstStyle/>
+          <a:p>
+            <a:endParaRPr lang="en-US" dirty="0"/>
+          </a:p>
+          <a:p>
+            <a:endParaRPr lang="en-US" dirty="0"/>
+          </a:p>
+        </p:txBody>
+      </p:sp>
+      <p:sp>
+        <p:nvSpPr>
+          <p:cNvPr id="4" name="Slide Number Placeholder 3"/>
+          <p:cNvSpPr>
+            <a:spLocks noGrp="1"/>
+          </p:cNvSpPr>
+          <p:nvPr>
+            <p:ph type="sldNum" sz="quarter" idx="5"/>
+          </p:nvPr>
+        </p:nvSpPr>
+        <p:spPr/>
+        <p:txBody>
+          <a:bodyPr/>
+          <a:lstStyle/>
+          <a:p>
+            <a:fld id="{89BF459E-7F1B-5D4F-8782-25B8073C7B7E}" type="slidenum">
+              <a:rPr lang="en-US" smtClean="0"/>
+              <a:t>6</a:t>
+            </a:fld>
+            <a:endParaRPr lang="en-US"/>
+          </a:p>
+        </p:txBody>
+      </p:sp>
+    </p:spTree>
+    <p:extLst>
+      <p:ext uri="{BB962C8B-B14F-4D97-AF65-F5344CB8AC3E}">
+        <p14:creationId xmlns:p14="http://schemas.microsoft.com/office/powerpoint/2010/main" val="554625139"/>
+      </p:ext>
+    </p:extLst>
+  </p:cSld>
+  <p:clrMapOvr>
+    <a:masterClrMapping/>
+  </p:clrMapOvr>
+</p:notes>
+</file>
+
+<file path=ppt/notesSlides/notesSlide5.xml><?xml version="1.0" encoding="utf-8"?>
+<p:notes xmlns:a="http://schemas.openxmlformats.org/drawingml/2006/main" xmlns:r="http://schemas.openxmlformats.org/officeDocument/2006/relationships" xmlns:p="http://schemas.openxmlformats.org/presentationml/2006/main">
+  <p:cSld>
+    <p:spTree>
+      <p:nvGrpSpPr>
+        <p:cNvPr id="1" name=""/>
+        <p:cNvGrpSpPr/>
+        <p:nvPr/>
+      </p:nvGrpSpPr>
+      <p:grpSpPr>
+        <a:xfrm>
+          <a:off x="0" y="0"/>
+          <a:ext cx="0" cy="0"/>
+          <a:chOff x="0" y="0"/>
+          <a:chExt cx="0" cy="0"/>
+        </a:xfrm>
+      </p:grpSpPr>
+      <p:sp>
+        <p:nvSpPr>
+          <p:cNvPr id="2" name="Slide Image Placeholder 1"/>
+          <p:cNvSpPr>
+            <a:spLocks noGrp="1" noRot="1" noChangeAspect="1"/>
+          </p:cNvSpPr>
+          <p:nvPr>
+            <p:ph type="sldImg"/>
+          </p:nvPr>
+        </p:nvSpPr>
+        <p:spPr/>
+      </p:sp>
+      <p:sp>
+        <p:nvSpPr>
+          <p:cNvPr id="3" name="Notes Placeholder 2"/>
+          <p:cNvSpPr>
+            <a:spLocks noGrp="1"/>
+          </p:cNvSpPr>
+          <p:nvPr>
+            <p:ph type="body" idx="1"/>
+          </p:nvPr>
+        </p:nvSpPr>
+        <p:spPr/>
+        <p:txBody>
+          <a:bodyPr/>
+          <a:lstStyle/>
+          <a:p>
+            <a:endParaRPr lang="en-US" dirty="0"/>
+          </a:p>
+          <a:p>
+            <a:endParaRPr lang="en-US" dirty="0"/>
+          </a:p>
+        </p:txBody>
+      </p:sp>
+      <p:sp>
+        <p:nvSpPr>
+          <p:cNvPr id="4" name="Slide Number Placeholder 3"/>
+          <p:cNvSpPr>
+            <a:spLocks noGrp="1"/>
+          </p:cNvSpPr>
+          <p:nvPr>
+            <p:ph type="sldNum" sz="quarter" idx="5"/>
+          </p:nvPr>
+        </p:nvSpPr>
+        <p:spPr/>
+        <p:txBody>
+          <a:bodyPr/>
+          <a:lstStyle/>
+          <a:p>
+            <a:fld id="{89BF459E-7F1B-5D4F-8782-25B8073C7B7E}" type="slidenum">
+              <a:rPr lang="en-US" smtClean="0"/>
+              <a:t>7</a:t>
+            </a:fld>
+            <a:endParaRPr lang="en-US"/>
+          </a:p>
+        </p:txBody>
+      </p:sp>
+    </p:spTree>
+    <p:extLst>
+      <p:ext uri="{BB962C8B-B14F-4D97-AF65-F5344CB8AC3E}">
+        <p14:creationId xmlns:p14="http://schemas.microsoft.com/office/powerpoint/2010/main" val="2516468413"/>
+      </p:ext>
+    </p:extLst>
+  </p:cSld>
+  <p:clrMapOvr>
+    <a:masterClrMapping/>
+  </p:clrMapOvr>
+</p:notes>
+</file>
+
+<file path=ppt/notesSlides/notesSlide6.xml><?xml version="1.0" encoding="utf-8"?>
+<p:notes xmlns:a="http://schemas.openxmlformats.org/drawingml/2006/main" xmlns:r="http://schemas.openxmlformats.org/officeDocument/2006/relationships" xmlns:p="http://schemas.openxmlformats.org/presentationml/2006/main">
+  <p:cSld>
+    <p:spTree>
+      <p:nvGrpSpPr>
+        <p:cNvPr id="1" name=""/>
+        <p:cNvGrpSpPr/>
+        <p:nvPr/>
+      </p:nvGrpSpPr>
+      <p:grpSpPr>
+        <a:xfrm>
+          <a:off x="0" y="0"/>
+          <a:ext cx="0" cy="0"/>
+          <a:chOff x="0" y="0"/>
+          <a:chExt cx="0" cy="0"/>
+        </a:xfrm>
+      </p:grpSpPr>
+      <p:sp>
+        <p:nvSpPr>
+          <p:cNvPr id="2" name="Slide Image Placeholder 1"/>
+          <p:cNvSpPr>
+            <a:spLocks noGrp="1" noRot="1" noChangeAspect="1"/>
+          </p:cNvSpPr>
+          <p:nvPr>
+            <p:ph type="sldImg"/>
+          </p:nvPr>
+        </p:nvSpPr>
+        <p:spPr/>
+      </p:sp>
+      <p:sp>
+        <p:nvSpPr>
+          <p:cNvPr id="3" name="Notes Placeholder 2"/>
+          <p:cNvSpPr>
+            <a:spLocks noGrp="1"/>
+          </p:cNvSpPr>
+          <p:nvPr>
+            <p:ph type="body" idx="1"/>
+          </p:nvPr>
+        </p:nvSpPr>
+        <p:spPr/>
+        <p:txBody>
+          <a:bodyPr/>
+          <a:lstStyle/>
+          <a:p>
+            <a:endParaRPr lang="en-US" dirty="0"/>
+          </a:p>
+          <a:p>
+            <a:endParaRPr lang="en-US" dirty="0"/>
+          </a:p>
+        </p:txBody>
+      </p:sp>
+      <p:sp>
+        <p:nvSpPr>
+          <p:cNvPr id="4" name="Slide Number Placeholder 3"/>
+          <p:cNvSpPr>
+            <a:spLocks noGrp="1"/>
+          </p:cNvSpPr>
+          <p:nvPr>
+            <p:ph type="sldNum" sz="quarter" idx="5"/>
+          </p:nvPr>
+        </p:nvSpPr>
+        <p:spPr/>
+        <p:txBody>
+          <a:bodyPr/>
+          <a:lstStyle/>
+          <a:p>
+            <a:fld id="{89BF459E-7F1B-5D4F-8782-25B8073C7B7E}" type="slidenum">
+              <a:rPr lang="en-US" smtClean="0"/>
+              <a:t>8</a:t>
+            </a:fld>
+            <a:endParaRPr lang="en-US"/>
+          </a:p>
+        </p:txBody>
+      </p:sp>
+    </p:spTree>
+    <p:extLst>
+      <p:ext uri="{BB962C8B-B14F-4D97-AF65-F5344CB8AC3E}">
+        <p14:creationId xmlns:p14="http://schemas.microsoft.com/office/powerpoint/2010/main" val="1754461861"/>
+      </p:ext>
+    </p:extLst>
+  </p:cSld>
+  <p:clrMapOvr>
+    <a:masterClrMapping/>
+  </p:clrMapOvr>
+</p:notes>
+</file>
+
+<file path=ppt/notesSlides/notesSlide7.xml><?xml version="1.0" encoding="utf-8"?>
+<p:notes xmlns:a="http://schemas.openxmlformats.org/drawingml/2006/main" xmlns:r="http://schemas.openxmlformats.org/officeDocument/2006/relationships" xmlns:p="http://schemas.openxmlformats.org/presentationml/2006/main">
+  <p:cSld>
+    <p:spTree>
+      <p:nvGrpSpPr>
+        <p:cNvPr id="1" name=""/>
+        <p:cNvGrpSpPr/>
+        <p:nvPr/>
+      </p:nvGrpSpPr>
+      <p:grpSpPr>
+        <a:xfrm>
+          <a:off x="0" y="0"/>
+          <a:ext cx="0" cy="0"/>
+          <a:chOff x="0" y="0"/>
+          <a:chExt cx="0" cy="0"/>
+        </a:xfrm>
+      </p:grpSpPr>
+      <p:sp>
+        <p:nvSpPr>
+          <p:cNvPr id="2" name="Slide Image Placeholder 1"/>
+          <p:cNvSpPr>
+            <a:spLocks noGrp="1" noRot="1" noChangeAspect="1"/>
+          </p:cNvSpPr>
+          <p:nvPr>
+            <p:ph type="sldImg"/>
+          </p:nvPr>
+        </p:nvSpPr>
+        <p:spPr/>
+      </p:sp>
+      <p:sp>
+        <p:nvSpPr>
+          <p:cNvPr id="3" name="Notes Placeholder 2"/>
+          <p:cNvSpPr>
+            <a:spLocks noGrp="1"/>
+          </p:cNvSpPr>
+          <p:nvPr>
+            <p:ph type="body" idx="1"/>
+          </p:nvPr>
+        </p:nvSpPr>
+        <p:spPr/>
+        <p:txBody>
+          <a:bodyPr/>
+          <a:lstStyle/>
+          <a:p>
+            <a:endParaRPr lang="en-US" dirty="0"/>
+          </a:p>
+          <a:p>
+            <a:endParaRPr lang="en-US" dirty="0"/>
+          </a:p>
+        </p:txBody>
+      </p:sp>
+      <p:sp>
+        <p:nvSpPr>
+          <p:cNvPr id="4" name="Slide Number Placeholder 3"/>
+          <p:cNvSpPr>
+            <a:spLocks noGrp="1"/>
+          </p:cNvSpPr>
+          <p:nvPr>
+            <p:ph type="sldNum" sz="quarter" idx="5"/>
+          </p:nvPr>
+        </p:nvSpPr>
+        <p:spPr/>
+        <p:txBody>
+          <a:bodyPr/>
+          <a:lstStyle/>
+          <a:p>
+            <a:fld id="{89BF459E-7F1B-5D4F-8782-25B8073C7B7E}" type="slidenum">
+              <a:rPr lang="en-US" smtClean="0"/>
+              <a:t>9</a:t>
+            </a:fld>
+            <a:endParaRPr lang="en-US"/>
+          </a:p>
+        </p:txBody>
+      </p:sp>
+    </p:spTree>
+    <p:extLst>
+      <p:ext uri="{BB962C8B-B14F-4D97-AF65-F5344CB8AC3E}">
+        <p14:creationId xmlns:p14="http://schemas.microsoft.com/office/powerpoint/2010/main" val="2933742535"/>
+      </p:ext>
+    </p:extLst>
+  </p:cSld>
+  <p:clrMapOvr>
+    <a:masterClrMapping/>
+  </p:clrMapOvr>
+</p:notes>
+</file>
+
+<file path=ppt/notesSlides/notesSlide8.xml><?xml version="1.0" encoding="utf-8"?>
+<p:notes xmlns:a="http://schemas.openxmlformats.org/drawingml/2006/main" xmlns:r="http://schemas.openxmlformats.org/officeDocument/2006/relationships" xmlns:p="http://schemas.openxmlformats.org/presentationml/2006/main">
+  <p:cSld>
+    <p:spTree>
+      <p:nvGrpSpPr>
+        <p:cNvPr id="1" name=""/>
+        <p:cNvGrpSpPr/>
+        <p:nvPr/>
+      </p:nvGrpSpPr>
+      <p:grpSpPr>
+        <a:xfrm>
+          <a:off x="0" y="0"/>
+          <a:ext cx="0" cy="0"/>
+          <a:chOff x="0" y="0"/>
+          <a:chExt cx="0" cy="0"/>
+        </a:xfrm>
+      </p:grpSpPr>
+      <p:sp>
+        <p:nvSpPr>
+          <p:cNvPr id="2" name="Slide Image Placeholder 1"/>
+          <p:cNvSpPr>
+            <a:spLocks noGrp="1" noRot="1" noChangeAspect="1"/>
+          </p:cNvSpPr>
+          <p:nvPr>
+            <p:ph type="sldImg"/>
+          </p:nvPr>
+        </p:nvSpPr>
+        <p:spPr/>
+      </p:sp>
+      <p:sp>
+        <p:nvSpPr>
+          <p:cNvPr id="3" name="Notes Placeholder 2"/>
+          <p:cNvSpPr>
+            <a:spLocks noGrp="1"/>
+          </p:cNvSpPr>
+          <p:nvPr>
+            <p:ph type="body" idx="1"/>
+          </p:nvPr>
+        </p:nvSpPr>
+        <p:spPr/>
+        <p:txBody>
+          <a:bodyPr/>
+          <a:lstStyle/>
+          <a:p>
+            <a:endParaRPr lang="en-US" dirty="0"/>
+          </a:p>
+          <a:p>
+            <a:endParaRPr lang="en-US" dirty="0"/>
+          </a:p>
+        </p:txBody>
+      </p:sp>
+      <p:sp>
+        <p:nvSpPr>
+          <p:cNvPr id="4" name="Slide Number Placeholder 3"/>
+          <p:cNvSpPr>
+            <a:spLocks noGrp="1"/>
+          </p:cNvSpPr>
+          <p:nvPr>
+            <p:ph type="sldNum" sz="quarter" idx="5"/>
+          </p:nvPr>
+        </p:nvSpPr>
+        <p:spPr/>
+        <p:txBody>
+          <a:bodyPr/>
+          <a:lstStyle/>
+          <a:p>
+            <a:fld id="{89BF459E-7F1B-5D4F-8782-25B8073C7B7E}" type="slidenum">
+              <a:rPr lang="en-US" smtClean="0"/>
+              <a:t>10</a:t>
+            </a:fld>
+            <a:endParaRPr lang="en-US"/>
+          </a:p>
+        </p:txBody>
+      </p:sp>
+    </p:spTree>
+    <p:extLst>
+      <p:ext uri="{BB962C8B-B14F-4D97-AF65-F5344CB8AC3E}">
+        <p14:creationId xmlns:p14="http://schemas.microsoft.com/office/powerpoint/2010/main" val="1224137488"/>
+      </p:ext>
+    </p:extLst>
+  </p:cSld>
+  <p:clrMapOvr>
+    <a:masterClrMapping/>
+  </p:clrMapOvr>
+</p:notes>
+</file>
+
+<file path=ppt/notesSlides/notesSlide9.xml><?xml version="1.0" encoding="utf-8"?>
+<p:notes xmlns:a="http://schemas.openxmlformats.org/drawingml/2006/main" xmlns:r="http://schemas.openxmlformats.org/officeDocument/2006/relationships" xmlns:p="http://schemas.openxmlformats.org/presentationml/2006/main">
+  <p:cSld>
+    <p:spTree>
+      <p:nvGrpSpPr>
+        <p:cNvPr id="1" name=""/>
+        <p:cNvGrpSpPr/>
+        <p:nvPr/>
+      </p:nvGrpSpPr>
+      <p:grpSpPr>
+        <a:xfrm>
+          <a:off x="0" y="0"/>
+          <a:ext cx="0" cy="0"/>
+          <a:chOff x="0" y="0"/>
+          <a:chExt cx="0" cy="0"/>
+        </a:xfrm>
+      </p:grpSpPr>
+      <p:sp>
+        <p:nvSpPr>
+          <p:cNvPr id="2" name="Slide Image Placeholder 1"/>
+          <p:cNvSpPr>
+            <a:spLocks noGrp="1" noRot="1" noChangeAspect="1"/>
+          </p:cNvSpPr>
+          <p:nvPr>
+            <p:ph type="sldImg"/>
+          </p:nvPr>
+        </p:nvSpPr>
+        <p:spPr/>
+      </p:sp>
+      <p:sp>
+        <p:nvSpPr>
+          <p:cNvPr id="3" name="Notes Placeholder 2"/>
+          <p:cNvSpPr>
+            <a:spLocks noGrp="1"/>
+          </p:cNvSpPr>
+          <p:nvPr>
+            <p:ph type="body" idx="1"/>
+          </p:nvPr>
+        </p:nvSpPr>
+        <p:spPr/>
+        <p:txBody>
+          <a:bodyPr/>
+          <a:lstStyle/>
+          <a:p>
+            <a:endParaRPr lang="en-US" dirty="0"/>
+          </a:p>
+          <a:p>
+            <a:endParaRPr lang="en-US" dirty="0"/>
+          </a:p>
+        </p:txBody>
+      </p:sp>
+      <p:sp>
+        <p:nvSpPr>
+          <p:cNvPr id="4" name="Slide Number Placeholder 3"/>
+          <p:cNvSpPr>
+            <a:spLocks noGrp="1"/>
+          </p:cNvSpPr>
+          <p:nvPr>
+            <p:ph type="sldNum" sz="quarter" idx="5"/>
+          </p:nvPr>
+        </p:nvSpPr>
+        <p:spPr/>
+        <p:txBody>
+          <a:bodyPr/>
+          <a:lstStyle/>
+          <a:p>
+            <a:fld id="{89BF459E-7F1B-5D4F-8782-25B8073C7B7E}" type="slidenum">
+              <a:rPr lang="en-US" smtClean="0"/>
+              <a:t>11</a:t>
+            </a:fld>
+            <a:endParaRPr lang="en-US"/>
+          </a:p>
+        </p:txBody>
+      </p:sp>
+    </p:spTree>
+    <p:extLst>
+      <p:ext uri="{BB962C8B-B14F-4D97-AF65-F5344CB8AC3E}">
+        <p14:creationId xmlns:p14="http://schemas.microsoft.com/office/powerpoint/2010/main" val="1382592356"/>
+      </p:ext>
+    </p:extLst>
+  </p:cSld>
+  <p:clrMapOvr>
+    <a:masterClrMapping/>
+  </p:clrMapOvr>
+</p:notes>
 </file>
 
 <file path=ppt/slideLayouts/slideLayout1.xml><?xml version="1.0" encoding="utf-8"?>
@@ -275,7 +1801,7 @@
           <a:p>
             <a:fld id="{14E27D8D-B9CA-2B4F-A5A9-07F8541808B2}" type="datetimeFigureOut">
               <a:rPr lang="en-US" smtClean="0"/>
-              <a:t>1/19/20</a:t>
+              <a:t>1/26/20</a:t>
             </a:fld>
             <a:endParaRPr lang="en-US"/>
           </a:p>
@@ -473,7 +1999,7 @@
           <a:p>
             <a:fld id="{14E27D8D-B9CA-2B4F-A5A9-07F8541808B2}" type="datetimeFigureOut">
               <a:rPr lang="en-US" smtClean="0"/>
-              <a:t>1/19/20</a:t>
+              <a:t>1/26/20</a:t>
             </a:fld>
             <a:endParaRPr lang="en-US"/>
           </a:p>
@@ -681,7 +2207,7 @@
           <a:p>
             <a:fld id="{14E27D8D-B9CA-2B4F-A5A9-07F8541808B2}" type="datetimeFigureOut">
               <a:rPr lang="en-US" smtClean="0"/>
-              <a:t>1/19/20</a:t>
+              <a:t>1/26/20</a:t>
             </a:fld>
             <a:endParaRPr lang="en-US"/>
           </a:p>
@@ -879,7 +2405,7 @@
           <a:p>
             <a:fld id="{14E27D8D-B9CA-2B4F-A5A9-07F8541808B2}" type="datetimeFigureOut">
               <a:rPr lang="en-US" smtClean="0"/>
-              <a:t>1/19/20</a:t>
+              <a:t>1/26/20</a:t>
             </a:fld>
             <a:endParaRPr lang="en-US"/>
           </a:p>
@@ -1154,7 +2680,7 @@
           <a:p>
             <a:fld id="{14E27D8D-B9CA-2B4F-A5A9-07F8541808B2}" type="datetimeFigureOut">
               <a:rPr lang="en-US" smtClean="0"/>
-              <a:t>1/19/20</a:t>
+              <a:t>1/26/20</a:t>
             </a:fld>
             <a:endParaRPr lang="en-US"/>
           </a:p>
@@ -1419,7 +2945,7 @@
           <a:p>
             <a:fld id="{14E27D8D-B9CA-2B4F-A5A9-07F8541808B2}" type="datetimeFigureOut">
               <a:rPr lang="en-US" smtClean="0"/>
-              <a:t>1/19/20</a:t>
+              <a:t>1/26/20</a:t>
             </a:fld>
             <a:endParaRPr lang="en-US"/>
           </a:p>
@@ -1831,7 +3357,7 @@
           <a:p>
             <a:fld id="{14E27D8D-B9CA-2B4F-A5A9-07F8541808B2}" type="datetimeFigureOut">
               <a:rPr lang="en-US" smtClean="0"/>
-              <a:t>1/19/20</a:t>
+              <a:t>1/26/20</a:t>
             </a:fld>
             <a:endParaRPr lang="en-US"/>
           </a:p>
@@ -1972,7 +3498,7 @@
           <a:p>
             <a:fld id="{14E27D8D-B9CA-2B4F-A5A9-07F8541808B2}" type="datetimeFigureOut">
               <a:rPr lang="en-US" smtClean="0"/>
-              <a:t>1/19/20</a:t>
+              <a:t>1/26/20</a:t>
             </a:fld>
             <a:endParaRPr lang="en-US"/>
           </a:p>
@@ -2085,7 +3611,7 @@
           <a:p>
             <a:fld id="{14E27D8D-B9CA-2B4F-A5A9-07F8541808B2}" type="datetimeFigureOut">
               <a:rPr lang="en-US" smtClean="0"/>
-              <a:t>1/19/20</a:t>
+              <a:t>1/26/20</a:t>
             </a:fld>
             <a:endParaRPr lang="en-US"/>
           </a:p>
@@ -2396,7 +3922,7 @@
           <a:p>
             <a:fld id="{14E27D8D-B9CA-2B4F-A5A9-07F8541808B2}" type="datetimeFigureOut">
               <a:rPr lang="en-US" smtClean="0"/>
-              <a:t>1/19/20</a:t>
+              <a:t>1/26/20</a:t>
             </a:fld>
             <a:endParaRPr lang="en-US"/>
           </a:p>
@@ -2684,7 +4210,7 @@
           <a:p>
             <a:fld id="{14E27D8D-B9CA-2B4F-A5A9-07F8541808B2}" type="datetimeFigureOut">
               <a:rPr lang="en-US" smtClean="0"/>
-              <a:t>1/19/20</a:t>
+              <a:t>1/26/20</a:t>
             </a:fld>
             <a:endParaRPr lang="en-US"/>
           </a:p>
@@ -2925,7 +4451,7 @@
           <a:p>
             <a:fld id="{14E27D8D-B9CA-2B4F-A5A9-07F8541808B2}" type="datetimeFigureOut">
               <a:rPr lang="en-US" smtClean="0"/>
-              <a:t>1/19/20</a:t>
+              <a:t>1/26/20</a:t>
             </a:fld>
             <a:endParaRPr lang="en-US"/>
           </a:p>
@@ -3399,6 +4925,36 @@
           <a:p>
             <a:endParaRPr lang="en-US" dirty="0"/>
           </a:p>
+          <a:p>
+            <a:r>
+              <a:rPr lang="en-US" dirty="0"/>
+              <a:t>https://</a:t>
+            </a:r>
+            <a:r>
+              <a:rPr lang="en-US" dirty="0" err="1"/>
+              <a:t>docs.oracle.com</a:t>
+            </a:r>
+            <a:r>
+              <a:rPr lang="en-US" dirty="0"/>
+              <a:t>/</a:t>
+            </a:r>
+            <a:r>
+              <a:rPr lang="en-US" dirty="0" err="1"/>
+              <a:t>javase</a:t>
+            </a:r>
+            <a:r>
+              <a:rPr lang="en-US" dirty="0"/>
+              <a:t>/tutorial/</a:t>
+            </a:r>
+            <a:r>
+              <a:rPr lang="en-US" dirty="0" err="1"/>
+              <a:t>index.html</a:t>
+            </a:r>
+            <a:endParaRPr lang="en-US" dirty="0"/>
+          </a:p>
+          <a:p>
+            <a:endParaRPr lang="en-US" dirty="0"/>
+          </a:p>
         </p:txBody>
       </p:sp>
     </p:spTree>
@@ -3454,34 +5010,19 @@
           </a:xfrm>
         </p:spPr>
         <p:txBody>
-          <a:bodyPr/>
-          <a:lstStyle/>
-          <a:p>
-            <a:r>
-              <a:rPr lang="en-US" dirty="0"/>
-              <a:t>Regex</a:t>
-            </a:r>
-          </a:p>
-          <a:p>
-            <a:r>
-              <a:rPr lang="en-US" dirty="0"/>
-              <a:t>https://</a:t>
-            </a:r>
-            <a:r>
-              <a:rPr lang="en-US" dirty="0" err="1"/>
-              <a:t>www.javatpoint.com</a:t>
-            </a:r>
-            <a:r>
-              <a:rPr lang="en-US" dirty="0"/>
-              <a:t>/java-regex</a:t>
-            </a:r>
+          <a:bodyPr>
+            <a:normAutofit/>
+          </a:bodyPr>
+          <a:lstStyle/>
+          <a:p>
+            <a:endParaRPr lang="en-US" dirty="0"/>
           </a:p>
         </p:txBody>
       </p:sp>
     </p:spTree>
     <p:extLst>
       <p:ext uri="{BB962C8B-B14F-4D97-AF65-F5344CB8AC3E}">
-        <p14:creationId xmlns:p14="http://schemas.microsoft.com/office/powerpoint/2010/main" val="835282990"/>
+        <p14:creationId xmlns:p14="http://schemas.microsoft.com/office/powerpoint/2010/main" val="2213450842"/>
       </p:ext>
     </p:extLst>
   </p:cSld>
@@ -3531,7 +5072,9 @@
           </a:xfrm>
         </p:spPr>
         <p:txBody>
-          <a:bodyPr/>
+          <a:bodyPr>
+            <a:normAutofit/>
+          </a:bodyPr>
           <a:lstStyle/>
           <a:p>
             <a:endParaRPr lang="en-US" dirty="0"/>
@@ -3541,7 +5084,7 @@
     </p:spTree>
     <p:extLst>
       <p:ext uri="{BB962C8B-B14F-4D97-AF65-F5344CB8AC3E}">
-        <p14:creationId xmlns:p14="http://schemas.microsoft.com/office/powerpoint/2010/main" val="2622553599"/>
+        <p14:creationId xmlns:p14="http://schemas.microsoft.com/office/powerpoint/2010/main" val="756511416"/>
       </p:ext>
     </p:extLst>
   </p:cSld>
@@ -3594,6 +5137,42 @@
           <a:bodyPr/>
           <a:lstStyle/>
           <a:p>
+            <a:r>
+              <a:rPr lang="en-US" dirty="0"/>
+              <a:t>Annotation</a:t>
+            </a:r>
+          </a:p>
+          <a:p>
+            <a:r>
+              <a:rPr lang="en-US" dirty="0">
+                <a:hlinkClick r:id="rId2"/>
+              </a:rPr>
+              <a:t>http://tutorials.jenkov.com/java/annotations.html</a:t>
+            </a:r>
+            <a:endParaRPr lang="en-US" dirty="0"/>
+          </a:p>
+          <a:p>
+            <a:r>
+              <a:rPr lang="en-US" dirty="0">
+                <a:hlinkClick r:id="rId3"/>
+              </a:rPr>
+              <a:t>https://www.geeksforgeeks.org/annotations-in-java/</a:t>
+            </a:r>
+            <a:endParaRPr lang="en-US" dirty="0"/>
+          </a:p>
+          <a:p>
+            <a:r>
+              <a:rPr lang="en-US" dirty="0">
+                <a:hlinkClick r:id="rId4"/>
+              </a:rPr>
+              <a:t>https://docs.oracle.com/javase/tutorial/java/annotations/</a:t>
+            </a:r>
+            <a:endParaRPr lang="en-US" dirty="0"/>
+          </a:p>
+          <a:p>
+            <a:endParaRPr lang="en-US" dirty="0"/>
+          </a:p>
+          <a:p>
             <a:endParaRPr lang="en-US" dirty="0"/>
           </a:p>
         </p:txBody>
@@ -3601,7 +5180,7 @@
     </p:spTree>
     <p:extLst>
       <p:ext uri="{BB962C8B-B14F-4D97-AF65-F5344CB8AC3E}">
-        <p14:creationId xmlns:p14="http://schemas.microsoft.com/office/powerpoint/2010/main" val="3457707794"/>
+        <p14:creationId xmlns:p14="http://schemas.microsoft.com/office/powerpoint/2010/main" val="3769608999"/>
       </p:ext>
     </p:extLst>
   </p:cSld>
@@ -3654,14 +5233,40 @@
           <a:bodyPr/>
           <a:lstStyle/>
           <a:p>
+            <a:r>
+              <a:rPr lang="en-US" dirty="0"/>
+              <a:t>Lambda Expression</a:t>
+            </a:r>
+          </a:p>
+          <a:p>
+            <a:r>
+              <a:rPr lang="en-US" dirty="0">
+                <a:hlinkClick r:id="rId2"/>
+              </a:rPr>
+              <a:t>https://www.javatpoint.com/java-lambda-expressions</a:t>
+            </a:r>
             <a:endParaRPr lang="en-US" dirty="0"/>
+          </a:p>
+          <a:p>
+            <a:r>
+              <a:rPr lang="en-US" dirty="0"/>
+              <a:t>https://</a:t>
+            </a:r>
+            <a:r>
+              <a:rPr lang="en-US" dirty="0" err="1"/>
+              <a:t>www.geeksforgeeks.org</a:t>
+            </a:r>
+            <a:r>
+              <a:rPr lang="en-US" dirty="0"/>
+              <a:t>/lambda-expressions-java-8/</a:t>
+            </a:r>
           </a:p>
         </p:txBody>
       </p:sp>
     </p:spTree>
     <p:extLst>
       <p:ext uri="{BB962C8B-B14F-4D97-AF65-F5344CB8AC3E}">
-        <p14:creationId xmlns:p14="http://schemas.microsoft.com/office/powerpoint/2010/main" val="509885049"/>
+        <p14:creationId xmlns:p14="http://schemas.microsoft.com/office/powerpoint/2010/main" val="143302237"/>
       </p:ext>
     </p:extLst>
   </p:cSld>
@@ -3714,6 +5319,27 @@
           <a:bodyPr/>
           <a:lstStyle/>
           <a:p>
+            <a:r>
+              <a:rPr lang="en-US" dirty="0"/>
+              <a:t>Generics</a:t>
+            </a:r>
+          </a:p>
+          <a:p>
+            <a:r>
+              <a:rPr lang="en-US" dirty="0">
+                <a:hlinkClick r:id="rId2"/>
+              </a:rPr>
+              <a:t>https://www.javatpoint.com/generics-in-java</a:t>
+            </a:r>
+            <a:endParaRPr lang="en-US" dirty="0"/>
+          </a:p>
+          <a:p>
+            <a:endParaRPr lang="en-US" dirty="0"/>
+          </a:p>
+          <a:p>
+            <a:endParaRPr lang="en-US" dirty="0"/>
+          </a:p>
+          <a:p>
             <a:endParaRPr lang="en-US" dirty="0"/>
           </a:p>
         </p:txBody>
@@ -3721,7 +5347,7 @@
     </p:spTree>
     <p:extLst>
       <p:ext uri="{BB962C8B-B14F-4D97-AF65-F5344CB8AC3E}">
-        <p14:creationId xmlns:p14="http://schemas.microsoft.com/office/powerpoint/2010/main" val="4054347100"/>
+        <p14:creationId xmlns:p14="http://schemas.microsoft.com/office/powerpoint/2010/main" val="3195687309"/>
       </p:ext>
     </p:extLst>
   </p:cSld>
@@ -3774,6 +5400,21 @@
           <a:bodyPr/>
           <a:lstStyle/>
           <a:p>
+            <a:r>
+              <a:rPr lang="en-US" dirty="0"/>
+              <a:t>IO</a:t>
+            </a:r>
+          </a:p>
+          <a:p>
+            <a:r>
+              <a:rPr lang="en-US" dirty="0">
+                <a:hlinkClick r:id="rId2"/>
+              </a:rPr>
+              <a:t>https://www.javatpoint.com/java-bufferedinputstream-class</a:t>
+            </a:r>
+            <a:endParaRPr lang="en-US" dirty="0"/>
+          </a:p>
+          <a:p>
             <a:endParaRPr lang="en-US" dirty="0"/>
           </a:p>
         </p:txBody>
@@ -3781,7 +5422,7 @@
     </p:spTree>
     <p:extLst>
       <p:ext uri="{BB962C8B-B14F-4D97-AF65-F5344CB8AC3E}">
-        <p14:creationId xmlns:p14="http://schemas.microsoft.com/office/powerpoint/2010/main" val="4085528159"/>
+        <p14:creationId xmlns:p14="http://schemas.microsoft.com/office/powerpoint/2010/main" val="3239083189"/>
       </p:ext>
     </p:extLst>
   </p:cSld>
@@ -3834,6 +5475,21 @@
           <a:bodyPr/>
           <a:lstStyle/>
           <a:p>
+            <a:r>
+              <a:rPr lang="en-US" dirty="0"/>
+              <a:t>Thread</a:t>
+            </a:r>
+          </a:p>
+          <a:p>
+            <a:r>
+              <a:rPr lang="en-US" dirty="0">
+                <a:hlinkClick r:id="rId2"/>
+              </a:rPr>
+              <a:t>https://www.javatpoint.com/creating-thread</a:t>
+            </a:r>
+            <a:endParaRPr lang="en-US" dirty="0"/>
+          </a:p>
+          <a:p>
             <a:endParaRPr lang="en-US" dirty="0"/>
           </a:p>
         </p:txBody>
@@ -3841,7 +5497,7 @@
     </p:spTree>
     <p:extLst>
       <p:ext uri="{BB962C8B-B14F-4D97-AF65-F5344CB8AC3E}">
-        <p14:creationId xmlns:p14="http://schemas.microsoft.com/office/powerpoint/2010/main" val="763197039"/>
+        <p14:creationId xmlns:p14="http://schemas.microsoft.com/office/powerpoint/2010/main" val="4036396783"/>
       </p:ext>
     </p:extLst>
   </p:cSld>
@@ -3894,14 +5550,34 @@
           <a:bodyPr/>
           <a:lstStyle/>
           <a:p>
-            <a:endParaRPr lang="en-US" dirty="0"/>
+            <a:r>
+              <a:rPr lang="en-US" dirty="0"/>
+              <a:t>Exception Handling</a:t>
+            </a:r>
+          </a:p>
+          <a:p>
+            <a:pPr marL="0" indent="0">
+              <a:buNone/>
+            </a:pPr>
+            <a:r>
+              <a:rPr lang="en-US" dirty="0"/>
+              <a:t>https://</a:t>
+            </a:r>
+            <a:r>
+              <a:rPr lang="en-US" dirty="0" err="1"/>
+              <a:t>www.javatpoint.com</a:t>
+            </a:r>
+            <a:r>
+              <a:rPr lang="en-US" dirty="0"/>
+              <a:t>/exception-handling-in-java</a:t>
+            </a:r>
           </a:p>
         </p:txBody>
       </p:sp>
     </p:spTree>
     <p:extLst>
       <p:ext uri="{BB962C8B-B14F-4D97-AF65-F5344CB8AC3E}">
-        <p14:creationId xmlns:p14="http://schemas.microsoft.com/office/powerpoint/2010/main" val="901594052"/>
+        <p14:creationId xmlns:p14="http://schemas.microsoft.com/office/powerpoint/2010/main" val="1256936135"/>
       </p:ext>
     </p:extLst>
   </p:cSld>
@@ -3930,35 +5606,10 @@
       </p:grpSpPr>
       <p:sp>
         <p:nvSpPr>
-          <p:cNvPr id="2" name="Title 1">
-            <a:extLst>
-              <a:ext uri="{FF2B5EF4-FFF2-40B4-BE49-F238E27FC236}">
-                <a16:creationId xmlns:a16="http://schemas.microsoft.com/office/drawing/2014/main" id="{A5DB1B46-5232-B044-92A0-603F975B19EC}"/>
-              </a:ext>
-            </a:extLst>
-          </p:cNvPr>
-          <p:cNvSpPr>
-            <a:spLocks noGrp="1"/>
-          </p:cNvSpPr>
-          <p:nvPr>
-            <p:ph type="title"/>
-          </p:nvPr>
-        </p:nvSpPr>
-        <p:spPr/>
-        <p:txBody>
-          <a:bodyPr/>
-          <a:lstStyle/>
-          <a:p>
-            <a:endParaRPr lang="en-US"/>
-          </a:p>
-        </p:txBody>
-      </p:sp>
-      <p:sp>
-        <p:nvSpPr>
           <p:cNvPr id="3" name="Content Placeholder 2">
             <a:extLst>
               <a:ext uri="{FF2B5EF4-FFF2-40B4-BE49-F238E27FC236}">
-                <a16:creationId xmlns:a16="http://schemas.microsoft.com/office/drawing/2014/main" id="{A204ABE7-1370-A549-A6AF-EB3397F6E6B6}"/>
+                <a16:creationId xmlns:a16="http://schemas.microsoft.com/office/drawing/2014/main" id="{70AC14BC-1130-9D4F-AEC9-797A90C62F9D}"/>
               </a:ext>
             </a:extLst>
           </p:cNvPr>
@@ -3969,19 +5620,41 @@
             <p:ph idx="1"/>
           </p:nvPr>
         </p:nvSpPr>
-        <p:spPr/>
-        <p:txBody>
-          <a:bodyPr/>
-          <a:lstStyle/>
-          <a:p>
-            <a:endParaRPr lang="en-US"/>
+        <p:spPr>
+          <a:xfrm>
+            <a:off x="728663" y="457200"/>
+            <a:ext cx="10625137" cy="5719763"/>
+          </a:xfrm>
+        </p:spPr>
+        <p:txBody>
+          <a:bodyPr/>
+          <a:lstStyle/>
+          <a:p>
+            <a:r>
+              <a:rPr lang="en-US" dirty="0"/>
+              <a:t>Regex</a:t>
+            </a:r>
+          </a:p>
+          <a:p>
+            <a:r>
+              <a:rPr lang="en-US" dirty="0"/>
+              <a:t>https://</a:t>
+            </a:r>
+            <a:r>
+              <a:rPr lang="en-US" dirty="0" err="1"/>
+              <a:t>www.javatpoint.com</a:t>
+            </a:r>
+            <a:r>
+              <a:rPr lang="en-US" dirty="0"/>
+              <a:t>/java-regex</a:t>
+            </a:r>
           </a:p>
         </p:txBody>
       </p:sp>
     </p:spTree>
     <p:extLst>
       <p:ext uri="{BB962C8B-B14F-4D97-AF65-F5344CB8AC3E}">
-        <p14:creationId xmlns:p14="http://schemas.microsoft.com/office/powerpoint/2010/main" val="4109414522"/>
+        <p14:creationId xmlns:p14="http://schemas.microsoft.com/office/powerpoint/2010/main" val="835282990"/>
       </p:ext>
     </p:extLst>
   </p:cSld>
@@ -4034,31 +5707,14 @@
           <a:bodyPr/>
           <a:lstStyle/>
           <a:p>
-            <a:r>
-              <a:rPr lang="en-US" dirty="0"/>
-              <a:t>New Feature</a:t>
-            </a:r>
-          </a:p>
-          <a:p>
-            <a:r>
-              <a:rPr lang="en-US" dirty="0"/>
-              <a:t>https://</a:t>
-            </a:r>
-            <a:r>
-              <a:rPr lang="en-US" dirty="0" err="1"/>
-              <a:t>www.javatpoint.com</a:t>
-            </a:r>
-            <a:r>
-              <a:rPr lang="en-US" dirty="0"/>
-              <a:t>/New-features-in-java</a:t>
-            </a:r>
+            <a:endParaRPr lang="en-US" dirty="0"/>
           </a:p>
         </p:txBody>
       </p:sp>
     </p:spTree>
     <p:extLst>
       <p:ext uri="{BB962C8B-B14F-4D97-AF65-F5344CB8AC3E}">
-        <p14:creationId xmlns:p14="http://schemas.microsoft.com/office/powerpoint/2010/main" val="297259130"/>
+        <p14:creationId xmlns:p14="http://schemas.microsoft.com/office/powerpoint/2010/main" val="2622553599"/>
       </p:ext>
     </p:extLst>
   </p:cSld>
@@ -4237,7 +5893,7 @@
     </p:spTree>
     <p:extLst>
       <p:ext uri="{BB962C8B-B14F-4D97-AF65-F5344CB8AC3E}">
-        <p14:creationId xmlns:p14="http://schemas.microsoft.com/office/powerpoint/2010/main" val="4292037910"/>
+        <p14:creationId xmlns:p14="http://schemas.microsoft.com/office/powerpoint/2010/main" val="3457707794"/>
       </p:ext>
     </p:extLst>
   </p:cSld>
@@ -4297,7 +5953,7 @@
     </p:spTree>
     <p:extLst>
       <p:ext uri="{BB962C8B-B14F-4D97-AF65-F5344CB8AC3E}">
-        <p14:creationId xmlns:p14="http://schemas.microsoft.com/office/powerpoint/2010/main" val="3955414204"/>
+        <p14:creationId xmlns:p14="http://schemas.microsoft.com/office/powerpoint/2010/main" val="509885049"/>
       </p:ext>
     </p:extLst>
   </p:cSld>
@@ -4326,35 +5982,10 @@
       </p:grpSpPr>
       <p:sp>
         <p:nvSpPr>
-          <p:cNvPr id="2" name="Title 1">
-            <a:extLst>
-              <a:ext uri="{FF2B5EF4-FFF2-40B4-BE49-F238E27FC236}">
-                <a16:creationId xmlns:a16="http://schemas.microsoft.com/office/drawing/2014/main" id="{6428C7E0-53E0-7B44-B976-4BA2533C3446}"/>
-              </a:ext>
-            </a:extLst>
-          </p:cNvPr>
-          <p:cNvSpPr>
-            <a:spLocks noGrp="1"/>
-          </p:cNvSpPr>
-          <p:nvPr>
-            <p:ph type="title"/>
-          </p:nvPr>
-        </p:nvSpPr>
-        <p:spPr/>
-        <p:txBody>
-          <a:bodyPr/>
-          <a:lstStyle/>
-          <a:p>
-            <a:endParaRPr lang="en-US"/>
-          </a:p>
-        </p:txBody>
-      </p:sp>
-      <p:sp>
-        <p:nvSpPr>
           <p:cNvPr id="3" name="Content Placeholder 2">
             <a:extLst>
               <a:ext uri="{FF2B5EF4-FFF2-40B4-BE49-F238E27FC236}">
-                <a16:creationId xmlns:a16="http://schemas.microsoft.com/office/drawing/2014/main" id="{578A632E-4005-6F4C-AED6-00EB45C7071E}"/>
+                <a16:creationId xmlns:a16="http://schemas.microsoft.com/office/drawing/2014/main" id="{70AC14BC-1130-9D4F-AEC9-797A90C62F9D}"/>
               </a:ext>
             </a:extLst>
           </p:cNvPr>
@@ -4365,19 +5996,1743 @@
             <p:ph idx="1"/>
           </p:nvPr>
         </p:nvSpPr>
-        <p:spPr/>
-        <p:txBody>
-          <a:bodyPr/>
-          <a:lstStyle/>
-          <a:p>
-            <a:endParaRPr lang="en-US"/>
+        <p:spPr>
+          <a:xfrm>
+            <a:off x="728663" y="457200"/>
+            <a:ext cx="10625137" cy="5719763"/>
+          </a:xfrm>
+        </p:spPr>
+        <p:txBody>
+          <a:bodyPr/>
+          <a:lstStyle/>
+          <a:p>
+            <a:endParaRPr lang="en-US" dirty="0"/>
           </a:p>
         </p:txBody>
       </p:sp>
     </p:spTree>
     <p:extLst>
       <p:ext uri="{BB962C8B-B14F-4D97-AF65-F5344CB8AC3E}">
-        <p14:creationId xmlns:p14="http://schemas.microsoft.com/office/powerpoint/2010/main" val="2859544307"/>
+        <p14:creationId xmlns:p14="http://schemas.microsoft.com/office/powerpoint/2010/main" val="4054347100"/>
+      </p:ext>
+    </p:extLst>
+  </p:cSld>
+  <p:clrMapOvr>
+    <a:masterClrMapping/>
+  </p:clrMapOvr>
+</p:sld>
+</file>
+
+<file path=ppt/slides/slide23.xml><?xml version="1.0" encoding="utf-8"?>
+<p:sld xmlns:a="http://schemas.openxmlformats.org/drawingml/2006/main" xmlns:r="http://schemas.openxmlformats.org/officeDocument/2006/relationships" xmlns:p="http://schemas.openxmlformats.org/presentationml/2006/main">
+  <p:cSld>
+    <p:spTree>
+      <p:nvGrpSpPr>
+        <p:cNvPr id="1" name=""/>
+        <p:cNvGrpSpPr/>
+        <p:nvPr/>
+      </p:nvGrpSpPr>
+      <p:grpSpPr>
+        <a:xfrm>
+          <a:off x="0" y="0"/>
+          <a:ext cx="0" cy="0"/>
+          <a:chOff x="0" y="0"/>
+          <a:chExt cx="0" cy="0"/>
+        </a:xfrm>
+      </p:grpSpPr>
+      <p:sp>
+        <p:nvSpPr>
+          <p:cNvPr id="3" name="Content Placeholder 2">
+            <a:extLst>
+              <a:ext uri="{FF2B5EF4-FFF2-40B4-BE49-F238E27FC236}">
+                <a16:creationId xmlns:a16="http://schemas.microsoft.com/office/drawing/2014/main" id="{70AC14BC-1130-9D4F-AEC9-797A90C62F9D}"/>
+              </a:ext>
+            </a:extLst>
+          </p:cNvPr>
+          <p:cNvSpPr>
+            <a:spLocks noGrp="1"/>
+          </p:cNvSpPr>
+          <p:nvPr>
+            <p:ph idx="1"/>
+          </p:nvPr>
+        </p:nvSpPr>
+        <p:spPr>
+          <a:xfrm>
+            <a:off x="728663" y="457200"/>
+            <a:ext cx="10625137" cy="5719763"/>
+          </a:xfrm>
+        </p:spPr>
+        <p:txBody>
+          <a:bodyPr/>
+          <a:lstStyle/>
+          <a:p>
+            <a:endParaRPr lang="en-US" dirty="0"/>
+          </a:p>
+        </p:txBody>
+      </p:sp>
+    </p:spTree>
+    <p:extLst>
+      <p:ext uri="{BB962C8B-B14F-4D97-AF65-F5344CB8AC3E}">
+        <p14:creationId xmlns:p14="http://schemas.microsoft.com/office/powerpoint/2010/main" val="4085528159"/>
+      </p:ext>
+    </p:extLst>
+  </p:cSld>
+  <p:clrMapOvr>
+    <a:masterClrMapping/>
+  </p:clrMapOvr>
+</p:sld>
+</file>
+
+<file path=ppt/slides/slide24.xml><?xml version="1.0" encoding="utf-8"?>
+<p:sld xmlns:a="http://schemas.openxmlformats.org/drawingml/2006/main" xmlns:r="http://schemas.openxmlformats.org/officeDocument/2006/relationships" xmlns:p="http://schemas.openxmlformats.org/presentationml/2006/main">
+  <p:cSld>
+    <p:spTree>
+      <p:nvGrpSpPr>
+        <p:cNvPr id="1" name=""/>
+        <p:cNvGrpSpPr/>
+        <p:nvPr/>
+      </p:nvGrpSpPr>
+      <p:grpSpPr>
+        <a:xfrm>
+          <a:off x="0" y="0"/>
+          <a:ext cx="0" cy="0"/>
+          <a:chOff x="0" y="0"/>
+          <a:chExt cx="0" cy="0"/>
+        </a:xfrm>
+      </p:grpSpPr>
+      <p:sp>
+        <p:nvSpPr>
+          <p:cNvPr id="3" name="Content Placeholder 2">
+            <a:extLst>
+              <a:ext uri="{FF2B5EF4-FFF2-40B4-BE49-F238E27FC236}">
+                <a16:creationId xmlns:a16="http://schemas.microsoft.com/office/drawing/2014/main" id="{70AC14BC-1130-9D4F-AEC9-797A90C62F9D}"/>
+              </a:ext>
+            </a:extLst>
+          </p:cNvPr>
+          <p:cNvSpPr>
+            <a:spLocks noGrp="1"/>
+          </p:cNvSpPr>
+          <p:nvPr>
+            <p:ph idx="1"/>
+          </p:nvPr>
+        </p:nvSpPr>
+        <p:spPr>
+          <a:xfrm>
+            <a:off x="728663" y="457200"/>
+            <a:ext cx="10625137" cy="5719763"/>
+          </a:xfrm>
+        </p:spPr>
+        <p:txBody>
+          <a:bodyPr/>
+          <a:lstStyle/>
+          <a:p>
+            <a:endParaRPr lang="en-US" dirty="0"/>
+          </a:p>
+        </p:txBody>
+      </p:sp>
+    </p:spTree>
+    <p:extLst>
+      <p:ext uri="{BB962C8B-B14F-4D97-AF65-F5344CB8AC3E}">
+        <p14:creationId xmlns:p14="http://schemas.microsoft.com/office/powerpoint/2010/main" val="763197039"/>
+      </p:ext>
+    </p:extLst>
+  </p:cSld>
+  <p:clrMapOvr>
+    <a:masterClrMapping/>
+  </p:clrMapOvr>
+</p:sld>
+</file>
+
+<file path=ppt/slides/slide25.xml><?xml version="1.0" encoding="utf-8"?>
+<p:sld xmlns:a="http://schemas.openxmlformats.org/drawingml/2006/main" xmlns:r="http://schemas.openxmlformats.org/officeDocument/2006/relationships" xmlns:p="http://schemas.openxmlformats.org/presentationml/2006/main">
+  <p:cSld>
+    <p:spTree>
+      <p:nvGrpSpPr>
+        <p:cNvPr id="1" name=""/>
+        <p:cNvGrpSpPr/>
+        <p:nvPr/>
+      </p:nvGrpSpPr>
+      <p:grpSpPr>
+        <a:xfrm>
+          <a:off x="0" y="0"/>
+          <a:ext cx="0" cy="0"/>
+          <a:chOff x="0" y="0"/>
+          <a:chExt cx="0" cy="0"/>
+        </a:xfrm>
+      </p:grpSpPr>
+      <p:sp>
+        <p:nvSpPr>
+          <p:cNvPr id="3" name="Content Placeholder 2">
+            <a:extLst>
+              <a:ext uri="{FF2B5EF4-FFF2-40B4-BE49-F238E27FC236}">
+                <a16:creationId xmlns:a16="http://schemas.microsoft.com/office/drawing/2014/main" id="{70AC14BC-1130-9D4F-AEC9-797A90C62F9D}"/>
+              </a:ext>
+            </a:extLst>
+          </p:cNvPr>
+          <p:cNvSpPr>
+            <a:spLocks noGrp="1"/>
+          </p:cNvSpPr>
+          <p:nvPr>
+            <p:ph idx="1"/>
+          </p:nvPr>
+        </p:nvSpPr>
+        <p:spPr>
+          <a:xfrm>
+            <a:off x="728663" y="457200"/>
+            <a:ext cx="10625137" cy="5719763"/>
+          </a:xfrm>
+        </p:spPr>
+        <p:txBody>
+          <a:bodyPr/>
+          <a:lstStyle/>
+          <a:p>
+            <a:r>
+              <a:rPr lang="en-US" dirty="0"/>
+              <a:t>Student Module</a:t>
+            </a:r>
+          </a:p>
+        </p:txBody>
+      </p:sp>
+      <p:sp>
+        <p:nvSpPr>
+          <p:cNvPr id="2" name="Rectangle 1">
+            <a:extLst>
+              <a:ext uri="{FF2B5EF4-FFF2-40B4-BE49-F238E27FC236}">
+                <a16:creationId xmlns:a16="http://schemas.microsoft.com/office/drawing/2014/main" id="{53323986-96CF-2D47-B7B9-A47BEC972A86}"/>
+              </a:ext>
+            </a:extLst>
+          </p:cNvPr>
+          <p:cNvSpPr/>
+          <p:nvPr/>
+        </p:nvSpPr>
+        <p:spPr>
+          <a:xfrm>
+            <a:off x="982265" y="931262"/>
+            <a:ext cx="1303866" cy="1828800"/>
+          </a:xfrm>
+          <a:prstGeom prst="rect">
+            <a:avLst/>
+          </a:prstGeom>
+        </p:spPr>
+        <p:style>
+          <a:lnRef idx="2">
+            <a:schemeClr val="accent1">
+              <a:shade val="50000"/>
+            </a:schemeClr>
+          </a:lnRef>
+          <a:fillRef idx="1">
+            <a:schemeClr val="accent1"/>
+          </a:fillRef>
+          <a:effectRef idx="0">
+            <a:schemeClr val="accent1"/>
+          </a:effectRef>
+          <a:fontRef idx="minor">
+            <a:schemeClr val="lt1"/>
+          </a:fontRef>
+        </p:style>
+        <p:txBody>
+          <a:bodyPr rtlCol="0" anchor="ctr"/>
+          <a:lstStyle/>
+          <a:p>
+            <a:pPr algn="ctr"/>
+            <a:r>
+              <a:rPr lang="en-US" dirty="0"/>
+              <a:t>Student</a:t>
+            </a:r>
+          </a:p>
+        </p:txBody>
+      </p:sp>
+      <p:sp>
+        <p:nvSpPr>
+          <p:cNvPr id="4" name="Rectangle 3">
+            <a:extLst>
+              <a:ext uri="{FF2B5EF4-FFF2-40B4-BE49-F238E27FC236}">
+                <a16:creationId xmlns:a16="http://schemas.microsoft.com/office/drawing/2014/main" id="{ABF575FC-0B53-C146-9B41-DD6CC71E5F68}"/>
+              </a:ext>
+            </a:extLst>
+          </p:cNvPr>
+          <p:cNvSpPr/>
+          <p:nvPr/>
+        </p:nvSpPr>
+        <p:spPr>
+          <a:xfrm>
+            <a:off x="3041996" y="931262"/>
+            <a:ext cx="1303866" cy="1828799"/>
+          </a:xfrm>
+          <a:prstGeom prst="rect">
+            <a:avLst/>
+          </a:prstGeom>
+        </p:spPr>
+        <p:style>
+          <a:lnRef idx="2">
+            <a:schemeClr val="accent1">
+              <a:shade val="50000"/>
+            </a:schemeClr>
+          </a:lnRef>
+          <a:fillRef idx="1">
+            <a:schemeClr val="accent1"/>
+          </a:fillRef>
+          <a:effectRef idx="0">
+            <a:schemeClr val="accent1"/>
+          </a:effectRef>
+          <a:fontRef idx="minor">
+            <a:schemeClr val="lt1"/>
+          </a:fontRef>
+        </p:style>
+        <p:txBody>
+          <a:bodyPr rtlCol="0" anchor="ctr"/>
+          <a:lstStyle/>
+          <a:p>
+            <a:pPr algn="ctr"/>
+            <a:r>
+              <a:rPr lang="en-US" dirty="0"/>
+              <a:t>Institution</a:t>
+            </a:r>
+          </a:p>
+        </p:txBody>
+      </p:sp>
+      <p:sp>
+        <p:nvSpPr>
+          <p:cNvPr id="5" name="Rectangle 4">
+            <a:extLst>
+              <a:ext uri="{FF2B5EF4-FFF2-40B4-BE49-F238E27FC236}">
+                <a16:creationId xmlns:a16="http://schemas.microsoft.com/office/drawing/2014/main" id="{2208BCF4-3DF6-A644-B363-F0964B566704}"/>
+              </a:ext>
+            </a:extLst>
+          </p:cNvPr>
+          <p:cNvSpPr/>
+          <p:nvPr/>
+        </p:nvSpPr>
+        <p:spPr>
+          <a:xfrm>
+            <a:off x="4872831" y="3594523"/>
+            <a:ext cx="1303867" cy="1828799"/>
+          </a:xfrm>
+          <a:prstGeom prst="rect">
+            <a:avLst/>
+          </a:prstGeom>
+        </p:spPr>
+        <p:style>
+          <a:lnRef idx="2">
+            <a:schemeClr val="accent1">
+              <a:shade val="50000"/>
+            </a:schemeClr>
+          </a:lnRef>
+          <a:fillRef idx="1">
+            <a:schemeClr val="accent1"/>
+          </a:fillRef>
+          <a:effectRef idx="0">
+            <a:schemeClr val="accent1"/>
+          </a:effectRef>
+          <a:fontRef idx="minor">
+            <a:schemeClr val="lt1"/>
+          </a:fontRef>
+        </p:style>
+        <p:txBody>
+          <a:bodyPr rtlCol="0" anchor="ctr"/>
+          <a:lstStyle/>
+          <a:p>
+            <a:pPr algn="ctr"/>
+            <a:r>
+              <a:rPr lang="en-US" dirty="0"/>
+              <a:t>Enrollment</a:t>
+            </a:r>
+          </a:p>
+        </p:txBody>
+      </p:sp>
+      <p:sp>
+        <p:nvSpPr>
+          <p:cNvPr id="6" name="Rectangle 5">
+            <a:extLst>
+              <a:ext uri="{FF2B5EF4-FFF2-40B4-BE49-F238E27FC236}">
+                <a16:creationId xmlns:a16="http://schemas.microsoft.com/office/drawing/2014/main" id="{800D2064-FEA0-B947-B66E-9AFEA7E2654E}"/>
+              </a:ext>
+            </a:extLst>
+          </p:cNvPr>
+          <p:cNvSpPr/>
+          <p:nvPr/>
+        </p:nvSpPr>
+        <p:spPr>
+          <a:xfrm>
+            <a:off x="8113192" y="931263"/>
+            <a:ext cx="1248834" cy="1828799"/>
+          </a:xfrm>
+          <a:prstGeom prst="rect">
+            <a:avLst/>
+          </a:prstGeom>
+        </p:spPr>
+        <p:style>
+          <a:lnRef idx="2">
+            <a:schemeClr val="accent1">
+              <a:shade val="50000"/>
+            </a:schemeClr>
+          </a:lnRef>
+          <a:fillRef idx="1">
+            <a:schemeClr val="accent1"/>
+          </a:fillRef>
+          <a:effectRef idx="0">
+            <a:schemeClr val="accent1"/>
+          </a:effectRef>
+          <a:fontRef idx="minor">
+            <a:schemeClr val="lt1"/>
+          </a:fontRef>
+        </p:style>
+        <p:txBody>
+          <a:bodyPr rtlCol="0" anchor="ctr"/>
+          <a:lstStyle/>
+          <a:p>
+            <a:pPr algn="ctr"/>
+            <a:r>
+              <a:rPr lang="en-US" dirty="0" err="1"/>
+              <a:t>PersistanceServiceLayer</a:t>
+            </a:r>
+            <a:endParaRPr lang="en-US" dirty="0"/>
+          </a:p>
+        </p:txBody>
+      </p:sp>
+      <p:sp>
+        <p:nvSpPr>
+          <p:cNvPr id="7" name="Can 6">
+            <a:extLst>
+              <a:ext uri="{FF2B5EF4-FFF2-40B4-BE49-F238E27FC236}">
+                <a16:creationId xmlns:a16="http://schemas.microsoft.com/office/drawing/2014/main" id="{F364B31A-3DB5-9C44-9F9D-363D479C23FC}"/>
+              </a:ext>
+            </a:extLst>
+          </p:cNvPr>
+          <p:cNvSpPr/>
+          <p:nvPr/>
+        </p:nvSpPr>
+        <p:spPr>
+          <a:xfrm>
+            <a:off x="10515600" y="914400"/>
+            <a:ext cx="812800" cy="1828799"/>
+          </a:xfrm>
+          <a:prstGeom prst="can">
+            <a:avLst/>
+          </a:prstGeom>
+        </p:spPr>
+        <p:style>
+          <a:lnRef idx="2">
+            <a:schemeClr val="accent1">
+              <a:shade val="50000"/>
+            </a:schemeClr>
+          </a:lnRef>
+          <a:fillRef idx="1">
+            <a:schemeClr val="accent1"/>
+          </a:fillRef>
+          <a:effectRef idx="0">
+            <a:schemeClr val="accent1"/>
+          </a:effectRef>
+          <a:fontRef idx="minor">
+            <a:schemeClr val="lt1"/>
+          </a:fontRef>
+        </p:style>
+        <p:txBody>
+          <a:bodyPr rtlCol="0" anchor="ctr"/>
+          <a:lstStyle/>
+          <a:p>
+            <a:pPr algn="ctr"/>
+            <a:endParaRPr lang="en-US"/>
+          </a:p>
+        </p:txBody>
+      </p:sp>
+      <p:sp>
+        <p:nvSpPr>
+          <p:cNvPr id="8" name="Rectangle 7">
+            <a:extLst>
+              <a:ext uri="{FF2B5EF4-FFF2-40B4-BE49-F238E27FC236}">
+                <a16:creationId xmlns:a16="http://schemas.microsoft.com/office/drawing/2014/main" id="{6F71677F-7400-094C-BDC5-29C47944585C}"/>
+              </a:ext>
+            </a:extLst>
+          </p:cNvPr>
+          <p:cNvSpPr/>
+          <p:nvPr/>
+        </p:nvSpPr>
+        <p:spPr>
+          <a:xfrm>
+            <a:off x="3097029" y="3562544"/>
+            <a:ext cx="1248833" cy="1811936"/>
+          </a:xfrm>
+          <a:prstGeom prst="rect">
+            <a:avLst/>
+          </a:prstGeom>
+        </p:spPr>
+        <p:style>
+          <a:lnRef idx="2">
+            <a:schemeClr val="accent1">
+              <a:shade val="50000"/>
+            </a:schemeClr>
+          </a:lnRef>
+          <a:fillRef idx="1">
+            <a:schemeClr val="accent1"/>
+          </a:fillRef>
+          <a:effectRef idx="0">
+            <a:schemeClr val="accent1"/>
+          </a:effectRef>
+          <a:fontRef idx="minor">
+            <a:schemeClr val="lt1"/>
+          </a:fontRef>
+        </p:style>
+        <p:txBody>
+          <a:bodyPr rtlCol="0" anchor="ctr"/>
+          <a:lstStyle/>
+          <a:p>
+            <a:pPr algn="ctr"/>
+            <a:r>
+              <a:rPr lang="en-US" dirty="0"/>
+              <a:t>Course</a:t>
+            </a:r>
+          </a:p>
+        </p:txBody>
+      </p:sp>
+      <p:sp>
+        <p:nvSpPr>
+          <p:cNvPr id="9" name="Rectangle 8">
+            <a:extLst>
+              <a:ext uri="{FF2B5EF4-FFF2-40B4-BE49-F238E27FC236}">
+                <a16:creationId xmlns:a16="http://schemas.microsoft.com/office/drawing/2014/main" id="{717494F9-11D2-964C-B7C7-A8D7A6C08B0B}"/>
+              </a:ext>
+            </a:extLst>
+          </p:cNvPr>
+          <p:cNvSpPr/>
+          <p:nvPr/>
+        </p:nvSpPr>
+        <p:spPr>
+          <a:xfrm>
+            <a:off x="6714228" y="3594523"/>
+            <a:ext cx="1248833" cy="1828799"/>
+          </a:xfrm>
+          <a:prstGeom prst="rect">
+            <a:avLst/>
+          </a:prstGeom>
+        </p:spPr>
+        <p:style>
+          <a:lnRef idx="2">
+            <a:schemeClr val="accent1">
+              <a:shade val="50000"/>
+            </a:schemeClr>
+          </a:lnRef>
+          <a:fillRef idx="1">
+            <a:schemeClr val="accent1"/>
+          </a:fillRef>
+          <a:effectRef idx="0">
+            <a:schemeClr val="accent1"/>
+          </a:effectRef>
+          <a:fontRef idx="minor">
+            <a:schemeClr val="lt1"/>
+          </a:fontRef>
+        </p:style>
+        <p:txBody>
+          <a:bodyPr rtlCol="0" anchor="ctr"/>
+          <a:lstStyle/>
+          <a:p>
+            <a:pPr algn="ctr"/>
+            <a:r>
+              <a:rPr lang="en-US" dirty="0"/>
+              <a:t>Financial</a:t>
+            </a:r>
+          </a:p>
+        </p:txBody>
+      </p:sp>
+      <p:cxnSp>
+        <p:nvCxnSpPr>
+          <p:cNvPr id="11" name="Straight Arrow Connector 10">
+            <a:extLst>
+              <a:ext uri="{FF2B5EF4-FFF2-40B4-BE49-F238E27FC236}">
+                <a16:creationId xmlns:a16="http://schemas.microsoft.com/office/drawing/2014/main" id="{A1B80BF4-1EFA-8C40-9D87-430F494C056A}"/>
+              </a:ext>
+            </a:extLst>
+          </p:cNvPr>
+          <p:cNvCxnSpPr/>
+          <p:nvPr/>
+        </p:nvCxnSpPr>
+        <p:spPr>
+          <a:xfrm>
+            <a:off x="9362026" y="1913467"/>
+            <a:ext cx="1153574" cy="0"/>
+          </a:xfrm>
+          <a:prstGeom prst="straightConnector1">
+            <a:avLst/>
+          </a:prstGeom>
+          <a:ln>
+            <a:headEnd type="triangle"/>
+            <a:tailEnd type="triangle"/>
+          </a:ln>
+        </p:spPr>
+        <p:style>
+          <a:lnRef idx="1">
+            <a:schemeClr val="accent1"/>
+          </a:lnRef>
+          <a:fillRef idx="0">
+            <a:schemeClr val="accent1"/>
+          </a:fillRef>
+          <a:effectRef idx="0">
+            <a:schemeClr val="accent1"/>
+          </a:effectRef>
+          <a:fontRef idx="minor">
+            <a:schemeClr val="tx1"/>
+          </a:fontRef>
+        </p:style>
+      </p:cxnSp>
+      <p:cxnSp>
+        <p:nvCxnSpPr>
+          <p:cNvPr id="13" name="Straight Arrow Connector 12">
+            <a:extLst>
+              <a:ext uri="{FF2B5EF4-FFF2-40B4-BE49-F238E27FC236}">
+                <a16:creationId xmlns:a16="http://schemas.microsoft.com/office/drawing/2014/main" id="{D45EBF97-DFB8-CD49-A603-42146445F52B}"/>
+              </a:ext>
+            </a:extLst>
+          </p:cNvPr>
+          <p:cNvCxnSpPr/>
+          <p:nvPr/>
+        </p:nvCxnSpPr>
+        <p:spPr>
+          <a:xfrm>
+            <a:off x="4345862" y="1828799"/>
+            <a:ext cx="3767330" cy="0"/>
+          </a:xfrm>
+          <a:prstGeom prst="straightConnector1">
+            <a:avLst/>
+          </a:prstGeom>
+          <a:ln>
+            <a:headEnd type="triangle"/>
+            <a:tailEnd type="triangle"/>
+          </a:ln>
+        </p:spPr>
+        <p:style>
+          <a:lnRef idx="1">
+            <a:schemeClr val="accent1"/>
+          </a:lnRef>
+          <a:fillRef idx="0">
+            <a:schemeClr val="accent1"/>
+          </a:fillRef>
+          <a:effectRef idx="0">
+            <a:schemeClr val="accent1"/>
+          </a:effectRef>
+          <a:fontRef idx="minor">
+            <a:schemeClr val="tx1"/>
+          </a:fontRef>
+        </p:style>
+      </p:cxnSp>
+      <p:cxnSp>
+        <p:nvCxnSpPr>
+          <p:cNvPr id="15" name="Straight Arrow Connector 14">
+            <a:extLst>
+              <a:ext uri="{FF2B5EF4-FFF2-40B4-BE49-F238E27FC236}">
+                <a16:creationId xmlns:a16="http://schemas.microsoft.com/office/drawing/2014/main" id="{BE85AB28-C3E5-514B-8298-D1DE72E3A8F5}"/>
+              </a:ext>
+            </a:extLst>
+          </p:cNvPr>
+          <p:cNvCxnSpPr/>
+          <p:nvPr/>
+        </p:nvCxnSpPr>
+        <p:spPr>
+          <a:xfrm>
+            <a:off x="2286131" y="1828799"/>
+            <a:ext cx="755865" cy="0"/>
+          </a:xfrm>
+          <a:prstGeom prst="straightConnector1">
+            <a:avLst/>
+          </a:prstGeom>
+          <a:ln>
+            <a:headEnd type="triangle"/>
+            <a:tailEnd type="triangle"/>
+          </a:ln>
+        </p:spPr>
+        <p:style>
+          <a:lnRef idx="1">
+            <a:schemeClr val="accent1"/>
+          </a:lnRef>
+          <a:fillRef idx="0">
+            <a:schemeClr val="accent1"/>
+          </a:fillRef>
+          <a:effectRef idx="0">
+            <a:schemeClr val="accent1"/>
+          </a:effectRef>
+          <a:fontRef idx="minor">
+            <a:schemeClr val="tx1"/>
+          </a:fontRef>
+        </p:style>
+      </p:cxnSp>
+      <p:cxnSp>
+        <p:nvCxnSpPr>
+          <p:cNvPr id="17" name="Straight Arrow Connector 16">
+            <a:extLst>
+              <a:ext uri="{FF2B5EF4-FFF2-40B4-BE49-F238E27FC236}">
+                <a16:creationId xmlns:a16="http://schemas.microsoft.com/office/drawing/2014/main" id="{AC72DB49-AD78-4842-A024-631E6B557BA4}"/>
+              </a:ext>
+            </a:extLst>
+          </p:cNvPr>
+          <p:cNvCxnSpPr/>
+          <p:nvPr/>
+        </p:nvCxnSpPr>
+        <p:spPr>
+          <a:xfrm>
+            <a:off x="3693929" y="2760061"/>
+            <a:ext cx="0" cy="802483"/>
+          </a:xfrm>
+          <a:prstGeom prst="straightConnector1">
+            <a:avLst/>
+          </a:prstGeom>
+          <a:ln>
+            <a:headEnd type="triangle"/>
+            <a:tailEnd type="triangle"/>
+          </a:ln>
+        </p:spPr>
+        <p:style>
+          <a:lnRef idx="1">
+            <a:schemeClr val="accent1"/>
+          </a:lnRef>
+          <a:fillRef idx="0">
+            <a:schemeClr val="accent1"/>
+          </a:fillRef>
+          <a:effectRef idx="0">
+            <a:schemeClr val="accent1"/>
+          </a:effectRef>
+          <a:fontRef idx="minor">
+            <a:schemeClr val="tx1"/>
+          </a:fontRef>
+        </p:style>
+      </p:cxnSp>
+      <p:cxnSp>
+        <p:nvCxnSpPr>
+          <p:cNvPr id="19" name="Straight Arrow Connector 18">
+            <a:extLst>
+              <a:ext uri="{FF2B5EF4-FFF2-40B4-BE49-F238E27FC236}">
+                <a16:creationId xmlns:a16="http://schemas.microsoft.com/office/drawing/2014/main" id="{100BC286-4183-A348-8132-427152344012}"/>
+              </a:ext>
+            </a:extLst>
+          </p:cNvPr>
+          <p:cNvCxnSpPr/>
+          <p:nvPr/>
+        </p:nvCxnSpPr>
+        <p:spPr>
+          <a:xfrm>
+            <a:off x="3721445" y="2760061"/>
+            <a:ext cx="1803319" cy="834462"/>
+          </a:xfrm>
+          <a:prstGeom prst="straightConnector1">
+            <a:avLst/>
+          </a:prstGeom>
+          <a:ln>
+            <a:headEnd type="triangle"/>
+            <a:tailEnd type="triangle"/>
+          </a:ln>
+        </p:spPr>
+        <p:style>
+          <a:lnRef idx="1">
+            <a:schemeClr val="accent1"/>
+          </a:lnRef>
+          <a:fillRef idx="0">
+            <a:schemeClr val="accent1"/>
+          </a:fillRef>
+          <a:effectRef idx="0">
+            <a:schemeClr val="accent1"/>
+          </a:effectRef>
+          <a:fontRef idx="minor">
+            <a:schemeClr val="tx1"/>
+          </a:fontRef>
+        </p:style>
+      </p:cxnSp>
+      <p:cxnSp>
+        <p:nvCxnSpPr>
+          <p:cNvPr id="21" name="Straight Arrow Connector 20">
+            <a:extLst>
+              <a:ext uri="{FF2B5EF4-FFF2-40B4-BE49-F238E27FC236}">
+                <a16:creationId xmlns:a16="http://schemas.microsoft.com/office/drawing/2014/main" id="{8B6119B1-05E9-9840-AF68-00A5D8F23B10}"/>
+              </a:ext>
+            </a:extLst>
+          </p:cNvPr>
+          <p:cNvCxnSpPr/>
+          <p:nvPr/>
+        </p:nvCxnSpPr>
+        <p:spPr>
+          <a:xfrm>
+            <a:off x="3928904" y="2808460"/>
+            <a:ext cx="3409740" cy="754084"/>
+          </a:xfrm>
+          <a:prstGeom prst="straightConnector1">
+            <a:avLst/>
+          </a:prstGeom>
+          <a:ln>
+            <a:headEnd type="triangle"/>
+            <a:tailEnd type="triangle"/>
+          </a:ln>
+        </p:spPr>
+        <p:style>
+          <a:lnRef idx="1">
+            <a:schemeClr val="accent1"/>
+          </a:lnRef>
+          <a:fillRef idx="0">
+            <a:schemeClr val="accent1"/>
+          </a:fillRef>
+          <a:effectRef idx="0">
+            <a:schemeClr val="accent1"/>
+          </a:effectRef>
+          <a:fontRef idx="minor">
+            <a:schemeClr val="tx1"/>
+          </a:fontRef>
+        </p:style>
+      </p:cxnSp>
+    </p:spTree>
+    <p:extLst>
+      <p:ext uri="{BB962C8B-B14F-4D97-AF65-F5344CB8AC3E}">
+        <p14:creationId xmlns:p14="http://schemas.microsoft.com/office/powerpoint/2010/main" val="901594052"/>
+      </p:ext>
+    </p:extLst>
+  </p:cSld>
+  <p:clrMapOvr>
+    <a:masterClrMapping/>
+  </p:clrMapOvr>
+</p:sld>
+</file>
+
+<file path=ppt/slides/slide26.xml><?xml version="1.0" encoding="utf-8"?>
+<p:sld xmlns:a="http://schemas.openxmlformats.org/drawingml/2006/main" xmlns:r="http://schemas.openxmlformats.org/officeDocument/2006/relationships" xmlns:p="http://schemas.openxmlformats.org/presentationml/2006/main">
+  <p:cSld>
+    <p:spTree>
+      <p:nvGrpSpPr>
+        <p:cNvPr id="1" name=""/>
+        <p:cNvGrpSpPr/>
+        <p:nvPr/>
+      </p:nvGrpSpPr>
+      <p:grpSpPr>
+        <a:xfrm>
+          <a:off x="0" y="0"/>
+          <a:ext cx="0" cy="0"/>
+          <a:chOff x="0" y="0"/>
+          <a:chExt cx="0" cy="0"/>
+        </a:xfrm>
+      </p:grpSpPr>
+      <p:sp>
+        <p:nvSpPr>
+          <p:cNvPr id="3" name="Content Placeholder 2">
+            <a:extLst>
+              <a:ext uri="{FF2B5EF4-FFF2-40B4-BE49-F238E27FC236}">
+                <a16:creationId xmlns:a16="http://schemas.microsoft.com/office/drawing/2014/main" id="{70AC14BC-1130-9D4F-AEC9-797A90C62F9D}"/>
+              </a:ext>
+            </a:extLst>
+          </p:cNvPr>
+          <p:cNvSpPr>
+            <a:spLocks noGrp="1"/>
+          </p:cNvSpPr>
+          <p:nvPr>
+            <p:ph idx="1"/>
+          </p:nvPr>
+        </p:nvSpPr>
+        <p:spPr>
+          <a:xfrm>
+            <a:off x="728663" y="457200"/>
+            <a:ext cx="10625137" cy="5719763"/>
+          </a:xfrm>
+        </p:spPr>
+        <p:txBody>
+          <a:bodyPr/>
+          <a:lstStyle/>
+          <a:p>
+            <a:r>
+              <a:rPr lang="en-US" dirty="0" err="1"/>
+              <a:t>OrgModule</a:t>
+            </a:r>
+            <a:endParaRPr lang="en-US" dirty="0"/>
+          </a:p>
+        </p:txBody>
+      </p:sp>
+      <p:sp>
+        <p:nvSpPr>
+          <p:cNvPr id="2" name="Rectangle 1">
+            <a:extLst>
+              <a:ext uri="{FF2B5EF4-FFF2-40B4-BE49-F238E27FC236}">
+                <a16:creationId xmlns:a16="http://schemas.microsoft.com/office/drawing/2014/main" id="{53323986-96CF-2D47-B7B9-A47BEC972A86}"/>
+              </a:ext>
+            </a:extLst>
+          </p:cNvPr>
+          <p:cNvSpPr/>
+          <p:nvPr/>
+        </p:nvSpPr>
+        <p:spPr>
+          <a:xfrm>
+            <a:off x="640245" y="3711388"/>
+            <a:ext cx="1303866" cy="1828800"/>
+          </a:xfrm>
+          <a:prstGeom prst="rect">
+            <a:avLst/>
+          </a:prstGeom>
+        </p:spPr>
+        <p:style>
+          <a:lnRef idx="2">
+            <a:schemeClr val="accent1">
+              <a:shade val="50000"/>
+            </a:schemeClr>
+          </a:lnRef>
+          <a:fillRef idx="1">
+            <a:schemeClr val="accent1"/>
+          </a:fillRef>
+          <a:effectRef idx="0">
+            <a:schemeClr val="accent1"/>
+          </a:effectRef>
+          <a:fontRef idx="minor">
+            <a:schemeClr val="lt1"/>
+          </a:fontRef>
+        </p:style>
+        <p:txBody>
+          <a:bodyPr rtlCol="0" anchor="ctr"/>
+          <a:lstStyle/>
+          <a:p>
+            <a:pPr algn="ctr"/>
+            <a:r>
+              <a:rPr lang="en-US" dirty="0"/>
+              <a:t>Admin</a:t>
+            </a:r>
+          </a:p>
+        </p:txBody>
+      </p:sp>
+      <p:sp>
+        <p:nvSpPr>
+          <p:cNvPr id="4" name="Rectangle 3">
+            <a:extLst>
+              <a:ext uri="{FF2B5EF4-FFF2-40B4-BE49-F238E27FC236}">
+                <a16:creationId xmlns:a16="http://schemas.microsoft.com/office/drawing/2014/main" id="{ABF575FC-0B53-C146-9B41-DD6CC71E5F68}"/>
+              </a:ext>
+            </a:extLst>
+          </p:cNvPr>
+          <p:cNvSpPr/>
+          <p:nvPr/>
+        </p:nvSpPr>
+        <p:spPr>
+          <a:xfrm>
+            <a:off x="3041996" y="931262"/>
+            <a:ext cx="1303866" cy="1828799"/>
+          </a:xfrm>
+          <a:prstGeom prst="rect">
+            <a:avLst/>
+          </a:prstGeom>
+        </p:spPr>
+        <p:style>
+          <a:lnRef idx="2">
+            <a:schemeClr val="accent1">
+              <a:shade val="50000"/>
+            </a:schemeClr>
+          </a:lnRef>
+          <a:fillRef idx="1">
+            <a:schemeClr val="accent1"/>
+          </a:fillRef>
+          <a:effectRef idx="0">
+            <a:schemeClr val="accent1"/>
+          </a:effectRef>
+          <a:fontRef idx="minor">
+            <a:schemeClr val="lt1"/>
+          </a:fontRef>
+        </p:style>
+        <p:txBody>
+          <a:bodyPr rtlCol="0" anchor="ctr"/>
+          <a:lstStyle/>
+          <a:p>
+            <a:pPr algn="ctr"/>
+            <a:r>
+              <a:rPr lang="en-US" dirty="0"/>
+              <a:t>Institution</a:t>
+            </a:r>
+          </a:p>
+        </p:txBody>
+      </p:sp>
+      <p:sp>
+        <p:nvSpPr>
+          <p:cNvPr id="5" name="Rectangle 4">
+            <a:extLst>
+              <a:ext uri="{FF2B5EF4-FFF2-40B4-BE49-F238E27FC236}">
+                <a16:creationId xmlns:a16="http://schemas.microsoft.com/office/drawing/2014/main" id="{2208BCF4-3DF6-A644-B363-F0964B566704}"/>
+              </a:ext>
+            </a:extLst>
+          </p:cNvPr>
+          <p:cNvSpPr/>
+          <p:nvPr/>
+        </p:nvSpPr>
+        <p:spPr>
+          <a:xfrm>
+            <a:off x="4872831" y="3594523"/>
+            <a:ext cx="1303867" cy="1828799"/>
+          </a:xfrm>
+          <a:prstGeom prst="rect">
+            <a:avLst/>
+          </a:prstGeom>
+        </p:spPr>
+        <p:style>
+          <a:lnRef idx="2">
+            <a:schemeClr val="accent1">
+              <a:shade val="50000"/>
+            </a:schemeClr>
+          </a:lnRef>
+          <a:fillRef idx="1">
+            <a:schemeClr val="accent1"/>
+          </a:fillRef>
+          <a:effectRef idx="0">
+            <a:schemeClr val="accent1"/>
+          </a:effectRef>
+          <a:fontRef idx="minor">
+            <a:schemeClr val="lt1"/>
+          </a:fontRef>
+        </p:style>
+        <p:txBody>
+          <a:bodyPr rtlCol="0" anchor="ctr"/>
+          <a:lstStyle/>
+          <a:p>
+            <a:pPr algn="ctr"/>
+            <a:r>
+              <a:rPr lang="en-US" dirty="0"/>
+              <a:t>Enrollment</a:t>
+            </a:r>
+          </a:p>
+        </p:txBody>
+      </p:sp>
+      <p:sp>
+        <p:nvSpPr>
+          <p:cNvPr id="6" name="Rectangle 5">
+            <a:extLst>
+              <a:ext uri="{FF2B5EF4-FFF2-40B4-BE49-F238E27FC236}">
+                <a16:creationId xmlns:a16="http://schemas.microsoft.com/office/drawing/2014/main" id="{800D2064-FEA0-B947-B66E-9AFEA7E2654E}"/>
+              </a:ext>
+            </a:extLst>
+          </p:cNvPr>
+          <p:cNvSpPr/>
+          <p:nvPr/>
+        </p:nvSpPr>
+        <p:spPr>
+          <a:xfrm>
+            <a:off x="8113192" y="931263"/>
+            <a:ext cx="1248834" cy="1828799"/>
+          </a:xfrm>
+          <a:prstGeom prst="rect">
+            <a:avLst/>
+          </a:prstGeom>
+        </p:spPr>
+        <p:style>
+          <a:lnRef idx="2">
+            <a:schemeClr val="accent1">
+              <a:shade val="50000"/>
+            </a:schemeClr>
+          </a:lnRef>
+          <a:fillRef idx="1">
+            <a:schemeClr val="accent1"/>
+          </a:fillRef>
+          <a:effectRef idx="0">
+            <a:schemeClr val="accent1"/>
+          </a:effectRef>
+          <a:fontRef idx="minor">
+            <a:schemeClr val="lt1"/>
+          </a:fontRef>
+        </p:style>
+        <p:txBody>
+          <a:bodyPr rtlCol="0" anchor="ctr"/>
+          <a:lstStyle/>
+          <a:p>
+            <a:pPr algn="ctr"/>
+            <a:r>
+              <a:rPr lang="en-US" dirty="0" err="1"/>
+              <a:t>PersistanceServiceLayer</a:t>
+            </a:r>
+            <a:endParaRPr lang="en-US" dirty="0"/>
+          </a:p>
+        </p:txBody>
+      </p:sp>
+      <p:sp>
+        <p:nvSpPr>
+          <p:cNvPr id="7" name="Can 6">
+            <a:extLst>
+              <a:ext uri="{FF2B5EF4-FFF2-40B4-BE49-F238E27FC236}">
+                <a16:creationId xmlns:a16="http://schemas.microsoft.com/office/drawing/2014/main" id="{F364B31A-3DB5-9C44-9F9D-363D479C23FC}"/>
+              </a:ext>
+            </a:extLst>
+          </p:cNvPr>
+          <p:cNvSpPr/>
+          <p:nvPr/>
+        </p:nvSpPr>
+        <p:spPr>
+          <a:xfrm>
+            <a:off x="10515600" y="914400"/>
+            <a:ext cx="812800" cy="1828799"/>
+          </a:xfrm>
+          <a:prstGeom prst="can">
+            <a:avLst/>
+          </a:prstGeom>
+        </p:spPr>
+        <p:style>
+          <a:lnRef idx="2">
+            <a:schemeClr val="accent1">
+              <a:shade val="50000"/>
+            </a:schemeClr>
+          </a:lnRef>
+          <a:fillRef idx="1">
+            <a:schemeClr val="accent1"/>
+          </a:fillRef>
+          <a:effectRef idx="0">
+            <a:schemeClr val="accent1"/>
+          </a:effectRef>
+          <a:fontRef idx="minor">
+            <a:schemeClr val="lt1"/>
+          </a:fontRef>
+        </p:style>
+        <p:txBody>
+          <a:bodyPr rtlCol="0" anchor="ctr"/>
+          <a:lstStyle/>
+          <a:p>
+            <a:pPr algn="ctr"/>
+            <a:endParaRPr lang="en-US"/>
+          </a:p>
+        </p:txBody>
+      </p:sp>
+      <p:sp>
+        <p:nvSpPr>
+          <p:cNvPr id="8" name="Rectangle 7">
+            <a:extLst>
+              <a:ext uri="{FF2B5EF4-FFF2-40B4-BE49-F238E27FC236}">
+                <a16:creationId xmlns:a16="http://schemas.microsoft.com/office/drawing/2014/main" id="{6F71677F-7400-094C-BDC5-29C47944585C}"/>
+              </a:ext>
+            </a:extLst>
+          </p:cNvPr>
+          <p:cNvSpPr/>
+          <p:nvPr/>
+        </p:nvSpPr>
+        <p:spPr>
+          <a:xfrm>
+            <a:off x="3097029" y="3562544"/>
+            <a:ext cx="1248833" cy="1811936"/>
+          </a:xfrm>
+          <a:prstGeom prst="rect">
+            <a:avLst/>
+          </a:prstGeom>
+        </p:spPr>
+        <p:style>
+          <a:lnRef idx="2">
+            <a:schemeClr val="accent1">
+              <a:shade val="50000"/>
+            </a:schemeClr>
+          </a:lnRef>
+          <a:fillRef idx="1">
+            <a:schemeClr val="accent1"/>
+          </a:fillRef>
+          <a:effectRef idx="0">
+            <a:schemeClr val="accent1"/>
+          </a:effectRef>
+          <a:fontRef idx="minor">
+            <a:schemeClr val="lt1"/>
+          </a:fontRef>
+        </p:style>
+        <p:txBody>
+          <a:bodyPr rtlCol="0" anchor="ctr"/>
+          <a:lstStyle/>
+          <a:p>
+            <a:pPr algn="ctr"/>
+            <a:r>
+              <a:rPr lang="en-US" dirty="0"/>
+              <a:t>Course</a:t>
+            </a:r>
+          </a:p>
+        </p:txBody>
+      </p:sp>
+      <p:sp>
+        <p:nvSpPr>
+          <p:cNvPr id="9" name="Rectangle 8">
+            <a:extLst>
+              <a:ext uri="{FF2B5EF4-FFF2-40B4-BE49-F238E27FC236}">
+                <a16:creationId xmlns:a16="http://schemas.microsoft.com/office/drawing/2014/main" id="{717494F9-11D2-964C-B7C7-A8D7A6C08B0B}"/>
+              </a:ext>
+            </a:extLst>
+          </p:cNvPr>
+          <p:cNvSpPr/>
+          <p:nvPr/>
+        </p:nvSpPr>
+        <p:spPr>
+          <a:xfrm>
+            <a:off x="6714228" y="3594523"/>
+            <a:ext cx="1248833" cy="1828799"/>
+          </a:xfrm>
+          <a:prstGeom prst="rect">
+            <a:avLst/>
+          </a:prstGeom>
+        </p:spPr>
+        <p:style>
+          <a:lnRef idx="2">
+            <a:schemeClr val="accent1">
+              <a:shade val="50000"/>
+            </a:schemeClr>
+          </a:lnRef>
+          <a:fillRef idx="1">
+            <a:schemeClr val="accent1"/>
+          </a:fillRef>
+          <a:effectRef idx="0">
+            <a:schemeClr val="accent1"/>
+          </a:effectRef>
+          <a:fontRef idx="minor">
+            <a:schemeClr val="lt1"/>
+          </a:fontRef>
+        </p:style>
+        <p:txBody>
+          <a:bodyPr rtlCol="0" anchor="ctr"/>
+          <a:lstStyle/>
+          <a:p>
+            <a:pPr algn="ctr"/>
+            <a:r>
+              <a:rPr lang="en-US" dirty="0"/>
+              <a:t>Financial</a:t>
+            </a:r>
+          </a:p>
+        </p:txBody>
+      </p:sp>
+      <p:cxnSp>
+        <p:nvCxnSpPr>
+          <p:cNvPr id="11" name="Straight Arrow Connector 10">
+            <a:extLst>
+              <a:ext uri="{FF2B5EF4-FFF2-40B4-BE49-F238E27FC236}">
+                <a16:creationId xmlns:a16="http://schemas.microsoft.com/office/drawing/2014/main" id="{A1B80BF4-1EFA-8C40-9D87-430F494C056A}"/>
+              </a:ext>
+            </a:extLst>
+          </p:cNvPr>
+          <p:cNvCxnSpPr/>
+          <p:nvPr/>
+        </p:nvCxnSpPr>
+        <p:spPr>
+          <a:xfrm>
+            <a:off x="9362026" y="1913467"/>
+            <a:ext cx="1153574" cy="0"/>
+          </a:xfrm>
+          <a:prstGeom prst="straightConnector1">
+            <a:avLst/>
+          </a:prstGeom>
+          <a:ln>
+            <a:headEnd type="triangle"/>
+            <a:tailEnd type="triangle"/>
+          </a:ln>
+        </p:spPr>
+        <p:style>
+          <a:lnRef idx="1">
+            <a:schemeClr val="accent1"/>
+          </a:lnRef>
+          <a:fillRef idx="0">
+            <a:schemeClr val="accent1"/>
+          </a:fillRef>
+          <a:effectRef idx="0">
+            <a:schemeClr val="accent1"/>
+          </a:effectRef>
+          <a:fontRef idx="minor">
+            <a:schemeClr val="tx1"/>
+          </a:fontRef>
+        </p:style>
+      </p:cxnSp>
+      <p:cxnSp>
+        <p:nvCxnSpPr>
+          <p:cNvPr id="13" name="Straight Arrow Connector 12">
+            <a:extLst>
+              <a:ext uri="{FF2B5EF4-FFF2-40B4-BE49-F238E27FC236}">
+                <a16:creationId xmlns:a16="http://schemas.microsoft.com/office/drawing/2014/main" id="{D45EBF97-DFB8-CD49-A603-42146445F52B}"/>
+              </a:ext>
+            </a:extLst>
+          </p:cNvPr>
+          <p:cNvCxnSpPr/>
+          <p:nvPr/>
+        </p:nvCxnSpPr>
+        <p:spPr>
+          <a:xfrm>
+            <a:off x="4345862" y="1828799"/>
+            <a:ext cx="3767330" cy="0"/>
+          </a:xfrm>
+          <a:prstGeom prst="straightConnector1">
+            <a:avLst/>
+          </a:prstGeom>
+          <a:ln>
+            <a:headEnd type="triangle"/>
+            <a:tailEnd type="triangle"/>
+          </a:ln>
+        </p:spPr>
+        <p:style>
+          <a:lnRef idx="1">
+            <a:schemeClr val="accent1"/>
+          </a:lnRef>
+          <a:fillRef idx="0">
+            <a:schemeClr val="accent1"/>
+          </a:fillRef>
+          <a:effectRef idx="0">
+            <a:schemeClr val="accent1"/>
+          </a:effectRef>
+          <a:fontRef idx="minor">
+            <a:schemeClr val="tx1"/>
+          </a:fontRef>
+        </p:style>
+      </p:cxnSp>
+      <p:cxnSp>
+        <p:nvCxnSpPr>
+          <p:cNvPr id="15" name="Straight Arrow Connector 14">
+            <a:extLst>
+              <a:ext uri="{FF2B5EF4-FFF2-40B4-BE49-F238E27FC236}">
+                <a16:creationId xmlns:a16="http://schemas.microsoft.com/office/drawing/2014/main" id="{BE85AB28-C3E5-514B-8298-D1DE72E3A8F5}"/>
+              </a:ext>
+            </a:extLst>
+          </p:cNvPr>
+          <p:cNvCxnSpPr>
+            <a:cxnSpLocks/>
+          </p:cNvCxnSpPr>
+          <p:nvPr/>
+        </p:nvCxnSpPr>
+        <p:spPr>
+          <a:xfrm flipV="1">
+            <a:off x="1794422" y="1828799"/>
+            <a:ext cx="1247574" cy="255495"/>
+          </a:xfrm>
+          <a:prstGeom prst="straightConnector1">
+            <a:avLst/>
+          </a:prstGeom>
+          <a:ln>
+            <a:headEnd type="triangle"/>
+            <a:tailEnd type="triangle"/>
+          </a:ln>
+        </p:spPr>
+        <p:style>
+          <a:lnRef idx="1">
+            <a:schemeClr val="accent1"/>
+          </a:lnRef>
+          <a:fillRef idx="0">
+            <a:schemeClr val="accent1"/>
+          </a:fillRef>
+          <a:effectRef idx="0">
+            <a:schemeClr val="accent1"/>
+          </a:effectRef>
+          <a:fontRef idx="minor">
+            <a:schemeClr val="tx1"/>
+          </a:fontRef>
+        </p:style>
+      </p:cxnSp>
+      <p:cxnSp>
+        <p:nvCxnSpPr>
+          <p:cNvPr id="17" name="Straight Arrow Connector 16">
+            <a:extLst>
+              <a:ext uri="{FF2B5EF4-FFF2-40B4-BE49-F238E27FC236}">
+                <a16:creationId xmlns:a16="http://schemas.microsoft.com/office/drawing/2014/main" id="{AC72DB49-AD78-4842-A024-631E6B557BA4}"/>
+              </a:ext>
+            </a:extLst>
+          </p:cNvPr>
+          <p:cNvCxnSpPr/>
+          <p:nvPr/>
+        </p:nvCxnSpPr>
+        <p:spPr>
+          <a:xfrm>
+            <a:off x="3693929" y="2760061"/>
+            <a:ext cx="0" cy="802483"/>
+          </a:xfrm>
+          <a:prstGeom prst="straightConnector1">
+            <a:avLst/>
+          </a:prstGeom>
+          <a:ln>
+            <a:headEnd type="triangle"/>
+            <a:tailEnd type="triangle"/>
+          </a:ln>
+        </p:spPr>
+        <p:style>
+          <a:lnRef idx="1">
+            <a:schemeClr val="accent1"/>
+          </a:lnRef>
+          <a:fillRef idx="0">
+            <a:schemeClr val="accent1"/>
+          </a:fillRef>
+          <a:effectRef idx="0">
+            <a:schemeClr val="accent1"/>
+          </a:effectRef>
+          <a:fontRef idx="minor">
+            <a:schemeClr val="tx1"/>
+          </a:fontRef>
+        </p:style>
+      </p:cxnSp>
+      <p:cxnSp>
+        <p:nvCxnSpPr>
+          <p:cNvPr id="19" name="Straight Arrow Connector 18">
+            <a:extLst>
+              <a:ext uri="{FF2B5EF4-FFF2-40B4-BE49-F238E27FC236}">
+                <a16:creationId xmlns:a16="http://schemas.microsoft.com/office/drawing/2014/main" id="{100BC286-4183-A348-8132-427152344012}"/>
+              </a:ext>
+            </a:extLst>
+          </p:cNvPr>
+          <p:cNvCxnSpPr/>
+          <p:nvPr/>
+        </p:nvCxnSpPr>
+        <p:spPr>
+          <a:xfrm>
+            <a:off x="3721445" y="2760061"/>
+            <a:ext cx="1803319" cy="834462"/>
+          </a:xfrm>
+          <a:prstGeom prst="straightConnector1">
+            <a:avLst/>
+          </a:prstGeom>
+          <a:ln>
+            <a:headEnd type="triangle"/>
+            <a:tailEnd type="triangle"/>
+          </a:ln>
+        </p:spPr>
+        <p:style>
+          <a:lnRef idx="1">
+            <a:schemeClr val="accent1"/>
+          </a:lnRef>
+          <a:fillRef idx="0">
+            <a:schemeClr val="accent1"/>
+          </a:fillRef>
+          <a:effectRef idx="0">
+            <a:schemeClr val="accent1"/>
+          </a:effectRef>
+          <a:fontRef idx="minor">
+            <a:schemeClr val="tx1"/>
+          </a:fontRef>
+        </p:style>
+      </p:cxnSp>
+      <p:cxnSp>
+        <p:nvCxnSpPr>
+          <p:cNvPr id="21" name="Straight Arrow Connector 20">
+            <a:extLst>
+              <a:ext uri="{FF2B5EF4-FFF2-40B4-BE49-F238E27FC236}">
+                <a16:creationId xmlns:a16="http://schemas.microsoft.com/office/drawing/2014/main" id="{8B6119B1-05E9-9840-AF68-00A5D8F23B10}"/>
+              </a:ext>
+            </a:extLst>
+          </p:cNvPr>
+          <p:cNvCxnSpPr/>
+          <p:nvPr/>
+        </p:nvCxnSpPr>
+        <p:spPr>
+          <a:xfrm>
+            <a:off x="3928904" y="2808460"/>
+            <a:ext cx="3409740" cy="754084"/>
+          </a:xfrm>
+          <a:prstGeom prst="straightConnector1">
+            <a:avLst/>
+          </a:prstGeom>
+          <a:ln>
+            <a:headEnd type="triangle"/>
+            <a:tailEnd type="triangle"/>
+          </a:ln>
+        </p:spPr>
+        <p:style>
+          <a:lnRef idx="1">
+            <a:schemeClr val="accent1"/>
+          </a:lnRef>
+          <a:fillRef idx="0">
+            <a:schemeClr val="accent1"/>
+          </a:fillRef>
+          <a:effectRef idx="0">
+            <a:schemeClr val="accent1"/>
+          </a:effectRef>
+          <a:fontRef idx="minor">
+            <a:schemeClr val="tx1"/>
+          </a:fontRef>
+        </p:style>
+      </p:cxnSp>
+      <p:sp>
+        <p:nvSpPr>
+          <p:cNvPr id="10" name="Rectangle 9">
+            <a:extLst>
+              <a:ext uri="{FF2B5EF4-FFF2-40B4-BE49-F238E27FC236}">
+                <a16:creationId xmlns:a16="http://schemas.microsoft.com/office/drawing/2014/main" id="{F0EA2A6B-D011-4D4A-827E-D259586CC04C}"/>
+              </a:ext>
+            </a:extLst>
+          </p:cNvPr>
+          <p:cNvSpPr/>
+          <p:nvPr/>
+        </p:nvSpPr>
+        <p:spPr>
+          <a:xfrm>
+            <a:off x="667391" y="1492624"/>
+            <a:ext cx="1127031" cy="1183341"/>
+          </a:xfrm>
+          <a:prstGeom prst="rect">
+            <a:avLst/>
+          </a:prstGeom>
+        </p:spPr>
+        <p:style>
+          <a:lnRef idx="2">
+            <a:schemeClr val="accent1">
+              <a:shade val="50000"/>
+            </a:schemeClr>
+          </a:lnRef>
+          <a:fillRef idx="1">
+            <a:schemeClr val="accent1"/>
+          </a:fillRef>
+          <a:effectRef idx="0">
+            <a:schemeClr val="accent1"/>
+          </a:effectRef>
+          <a:fontRef idx="minor">
+            <a:schemeClr val="lt1"/>
+          </a:fontRef>
+        </p:style>
+        <p:txBody>
+          <a:bodyPr rtlCol="0" anchor="ctr"/>
+          <a:lstStyle/>
+          <a:p>
+            <a:pPr algn="ctr"/>
+            <a:r>
+              <a:rPr lang="en-US" dirty="0"/>
+              <a:t>Employee</a:t>
+            </a:r>
+          </a:p>
+        </p:txBody>
+      </p:sp>
+      <p:cxnSp>
+        <p:nvCxnSpPr>
+          <p:cNvPr id="16" name="Straight Arrow Connector 15">
+            <a:extLst>
+              <a:ext uri="{FF2B5EF4-FFF2-40B4-BE49-F238E27FC236}">
+                <a16:creationId xmlns:a16="http://schemas.microsoft.com/office/drawing/2014/main" id="{4E94BC08-8BC1-CB43-B409-A0775B4317B0}"/>
+              </a:ext>
+            </a:extLst>
+          </p:cNvPr>
+          <p:cNvCxnSpPr>
+            <a:stCxn id="10" idx="2"/>
+          </p:cNvCxnSpPr>
+          <p:nvPr/>
+        </p:nvCxnSpPr>
+        <p:spPr>
+          <a:xfrm>
+            <a:off x="1230907" y="2675965"/>
+            <a:ext cx="61271" cy="886579"/>
+          </a:xfrm>
+          <a:prstGeom prst="straightConnector1">
+            <a:avLst/>
+          </a:prstGeom>
+          <a:ln>
+            <a:headEnd type="triangle"/>
+            <a:tailEnd type="triangle"/>
+          </a:ln>
+        </p:spPr>
+        <p:style>
+          <a:lnRef idx="1">
+            <a:schemeClr val="accent1"/>
+          </a:lnRef>
+          <a:fillRef idx="0">
+            <a:schemeClr val="accent1"/>
+          </a:fillRef>
+          <a:effectRef idx="0">
+            <a:schemeClr val="accent1"/>
+          </a:effectRef>
+          <a:fontRef idx="minor">
+            <a:schemeClr val="tx1"/>
+          </a:fontRef>
+        </p:style>
+      </p:cxnSp>
+    </p:spTree>
+    <p:extLst>
+      <p:ext uri="{BB962C8B-B14F-4D97-AF65-F5344CB8AC3E}">
+        <p14:creationId xmlns:p14="http://schemas.microsoft.com/office/powerpoint/2010/main" val="1158714663"/>
+      </p:ext>
+    </p:extLst>
+  </p:cSld>
+  <p:clrMapOvr>
+    <a:masterClrMapping/>
+  </p:clrMapOvr>
+</p:sld>
+</file>
+
+<file path=ppt/slides/slide27.xml><?xml version="1.0" encoding="utf-8"?>
+<p:sld xmlns:a="http://schemas.openxmlformats.org/drawingml/2006/main" xmlns:r="http://schemas.openxmlformats.org/officeDocument/2006/relationships" xmlns:p="http://schemas.openxmlformats.org/presentationml/2006/main">
+  <p:cSld>
+    <p:spTree>
+      <p:nvGrpSpPr>
+        <p:cNvPr id="1" name=""/>
+        <p:cNvGrpSpPr/>
+        <p:nvPr/>
+      </p:nvGrpSpPr>
+      <p:grpSpPr>
+        <a:xfrm>
+          <a:off x="0" y="0"/>
+          <a:ext cx="0" cy="0"/>
+          <a:chOff x="0" y="0"/>
+          <a:chExt cx="0" cy="0"/>
+        </a:xfrm>
+      </p:grpSpPr>
+      <p:sp>
+        <p:nvSpPr>
+          <p:cNvPr id="2" name="Title 1">
+            <a:extLst>
+              <a:ext uri="{FF2B5EF4-FFF2-40B4-BE49-F238E27FC236}">
+                <a16:creationId xmlns:a16="http://schemas.microsoft.com/office/drawing/2014/main" id="{A5DB1B46-5232-B044-92A0-603F975B19EC}"/>
+              </a:ext>
+            </a:extLst>
+          </p:cNvPr>
+          <p:cNvSpPr>
+            <a:spLocks noGrp="1"/>
+          </p:cNvSpPr>
+          <p:nvPr>
+            <p:ph type="title"/>
+          </p:nvPr>
+        </p:nvSpPr>
+        <p:spPr/>
+        <p:txBody>
+          <a:bodyPr/>
+          <a:lstStyle/>
+          <a:p>
+            <a:endParaRPr lang="en-US"/>
+          </a:p>
+        </p:txBody>
+      </p:sp>
+      <p:sp>
+        <p:nvSpPr>
+          <p:cNvPr id="3" name="Content Placeholder 2">
+            <a:extLst>
+              <a:ext uri="{FF2B5EF4-FFF2-40B4-BE49-F238E27FC236}">
+                <a16:creationId xmlns:a16="http://schemas.microsoft.com/office/drawing/2014/main" id="{A204ABE7-1370-A549-A6AF-EB3397F6E6B6}"/>
+              </a:ext>
+            </a:extLst>
+          </p:cNvPr>
+          <p:cNvSpPr>
+            <a:spLocks noGrp="1"/>
+          </p:cNvSpPr>
+          <p:nvPr>
+            <p:ph idx="1"/>
+          </p:nvPr>
+        </p:nvSpPr>
+        <p:spPr/>
+        <p:txBody>
+          <a:bodyPr/>
+          <a:lstStyle/>
+          <a:p>
+            <a:endParaRPr lang="en-US"/>
+          </a:p>
+        </p:txBody>
+      </p:sp>
+    </p:spTree>
+    <p:extLst>
+      <p:ext uri="{BB962C8B-B14F-4D97-AF65-F5344CB8AC3E}">
+        <p14:creationId xmlns:p14="http://schemas.microsoft.com/office/powerpoint/2010/main" val="4109414522"/>
+      </p:ext>
+    </p:extLst>
+  </p:cSld>
+  <p:clrMapOvr>
+    <a:masterClrMapping/>
+  </p:clrMapOvr>
+</p:sld>
+</file>
+
+<file path=ppt/slides/slide28.xml><?xml version="1.0" encoding="utf-8"?>
+<p:sld xmlns:a="http://schemas.openxmlformats.org/drawingml/2006/main" xmlns:r="http://schemas.openxmlformats.org/officeDocument/2006/relationships" xmlns:p="http://schemas.openxmlformats.org/presentationml/2006/main">
+  <p:cSld>
+    <p:spTree>
+      <p:nvGrpSpPr>
+        <p:cNvPr id="1" name=""/>
+        <p:cNvGrpSpPr/>
+        <p:nvPr/>
+      </p:nvGrpSpPr>
+      <p:grpSpPr>
+        <a:xfrm>
+          <a:off x="0" y="0"/>
+          <a:ext cx="0" cy="0"/>
+          <a:chOff x="0" y="0"/>
+          <a:chExt cx="0" cy="0"/>
+        </a:xfrm>
+      </p:grpSpPr>
+      <p:sp>
+        <p:nvSpPr>
+          <p:cNvPr id="3" name="Content Placeholder 2">
+            <a:extLst>
+              <a:ext uri="{FF2B5EF4-FFF2-40B4-BE49-F238E27FC236}">
+                <a16:creationId xmlns:a16="http://schemas.microsoft.com/office/drawing/2014/main" id="{70AC14BC-1130-9D4F-AEC9-797A90C62F9D}"/>
+              </a:ext>
+            </a:extLst>
+          </p:cNvPr>
+          <p:cNvSpPr>
+            <a:spLocks noGrp="1"/>
+          </p:cNvSpPr>
+          <p:nvPr>
+            <p:ph idx="1"/>
+          </p:nvPr>
+        </p:nvSpPr>
+        <p:spPr>
+          <a:xfrm>
+            <a:off x="728663" y="457200"/>
+            <a:ext cx="10625137" cy="5719763"/>
+          </a:xfrm>
+        </p:spPr>
+        <p:txBody>
+          <a:bodyPr/>
+          <a:lstStyle/>
+          <a:p>
+            <a:r>
+              <a:rPr lang="en-US" dirty="0"/>
+              <a:t>New Feature</a:t>
+            </a:r>
+          </a:p>
+          <a:p>
+            <a:r>
+              <a:rPr lang="en-US" dirty="0"/>
+              <a:t>https://</a:t>
+            </a:r>
+            <a:r>
+              <a:rPr lang="en-US" dirty="0" err="1"/>
+              <a:t>www.javatpoint.com</a:t>
+            </a:r>
+            <a:r>
+              <a:rPr lang="en-US" dirty="0"/>
+              <a:t>/New-features-in-java</a:t>
+            </a:r>
+          </a:p>
+        </p:txBody>
+      </p:sp>
+    </p:spTree>
+    <p:extLst>
+      <p:ext uri="{BB962C8B-B14F-4D97-AF65-F5344CB8AC3E}">
+        <p14:creationId xmlns:p14="http://schemas.microsoft.com/office/powerpoint/2010/main" val="297259130"/>
+      </p:ext>
+    </p:extLst>
+  </p:cSld>
+  <p:clrMapOvr>
+    <a:masterClrMapping/>
+  </p:clrMapOvr>
+</p:sld>
+</file>
+
+<file path=ppt/slides/slide29.xml><?xml version="1.0" encoding="utf-8"?>
+<p:sld xmlns:a="http://schemas.openxmlformats.org/drawingml/2006/main" xmlns:r="http://schemas.openxmlformats.org/officeDocument/2006/relationships" xmlns:p="http://schemas.openxmlformats.org/presentationml/2006/main">
+  <p:cSld>
+    <p:spTree>
+      <p:nvGrpSpPr>
+        <p:cNvPr id="1" name=""/>
+        <p:cNvGrpSpPr/>
+        <p:nvPr/>
+      </p:nvGrpSpPr>
+      <p:grpSpPr>
+        <a:xfrm>
+          <a:off x="0" y="0"/>
+          <a:ext cx="0" cy="0"/>
+          <a:chOff x="0" y="0"/>
+          <a:chExt cx="0" cy="0"/>
+        </a:xfrm>
+      </p:grpSpPr>
+      <p:sp>
+        <p:nvSpPr>
+          <p:cNvPr id="3" name="Content Placeholder 2">
+            <a:extLst>
+              <a:ext uri="{FF2B5EF4-FFF2-40B4-BE49-F238E27FC236}">
+                <a16:creationId xmlns:a16="http://schemas.microsoft.com/office/drawing/2014/main" id="{70AC14BC-1130-9D4F-AEC9-797A90C62F9D}"/>
+              </a:ext>
+            </a:extLst>
+          </p:cNvPr>
+          <p:cNvSpPr>
+            <a:spLocks noGrp="1"/>
+          </p:cNvSpPr>
+          <p:nvPr>
+            <p:ph idx="1"/>
+          </p:nvPr>
+        </p:nvSpPr>
+        <p:spPr>
+          <a:xfrm>
+            <a:off x="728663" y="457200"/>
+            <a:ext cx="10625137" cy="5719763"/>
+          </a:xfrm>
+        </p:spPr>
+        <p:txBody>
+          <a:bodyPr/>
+          <a:lstStyle/>
+          <a:p>
+            <a:endParaRPr lang="en-US" dirty="0"/>
+          </a:p>
+        </p:txBody>
+      </p:sp>
+    </p:spTree>
+    <p:extLst>
+      <p:ext uri="{BB962C8B-B14F-4D97-AF65-F5344CB8AC3E}">
+        <p14:creationId xmlns:p14="http://schemas.microsoft.com/office/powerpoint/2010/main" val="4292037910"/>
       </p:ext>
     </p:extLst>
   </p:cSld>
@@ -4427,53 +7782,319 @@
           </a:xfrm>
         </p:spPr>
         <p:txBody>
-          <a:bodyPr/>
+          <a:bodyPr>
+            <a:normAutofit lnSpcReduction="10000"/>
+          </a:bodyPr>
           <a:lstStyle/>
           <a:p>
             <a:r>
               <a:rPr lang="en-US" dirty="0"/>
-              <a:t>Annotation</a:t>
-            </a:r>
-          </a:p>
-          <a:p>
-            <a:r>
-              <a:rPr lang="en-US" dirty="0">
-                <a:hlinkClick r:id="rId2"/>
-              </a:rPr>
-              <a:t>http://tutorials.jenkov.com/java/annotations.html</a:t>
+              <a:t>Collection</a:t>
+            </a:r>
+          </a:p>
+          <a:p>
+            <a:pPr lvl="1"/>
+            <a:r>
+              <a:rPr lang="en-US" dirty="0"/>
+              <a:t>https://</a:t>
+            </a:r>
+            <a:r>
+              <a:rPr lang="en-US" dirty="0" err="1"/>
+              <a:t>docs.oracle.com</a:t>
+            </a:r>
+            <a:r>
+              <a:rPr lang="en-US" dirty="0"/>
+              <a:t>/</a:t>
+            </a:r>
+            <a:r>
+              <a:rPr lang="en-US" dirty="0" err="1"/>
+              <a:t>javase</a:t>
+            </a:r>
+            <a:r>
+              <a:rPr lang="en-US" dirty="0"/>
+              <a:t>/tutorial/collections/intro/</a:t>
+            </a:r>
+            <a:r>
+              <a:rPr lang="en-US" dirty="0" err="1"/>
+              <a:t>index.htm</a:t>
             </a:r>
             <a:endParaRPr lang="en-US" dirty="0"/>
           </a:p>
           <a:p>
+            <a:pPr lvl="1"/>
             <a:r>
               <a:rPr lang="en-US" dirty="0">
                 <a:hlinkClick r:id="rId3"/>
               </a:rPr>
-              <a:t>https://www.geeksforgeeks.org/annotations-in-java/</a:t>
+              <a:t>https://docs.oracle.com/javase/tutorial/collections/index.html</a:t>
+            </a:r>
+          </a:p>
+          <a:p>
+            <a:pPr lvl="1"/>
+            <a:r>
+              <a:rPr lang="en-US" dirty="0">
+                <a:hlinkClick r:id="rId3"/>
+              </a:rPr>
+              <a:t>https://www.javatpoint.com/collections-in-java</a:t>
             </a:r>
             <a:endParaRPr lang="en-US" dirty="0"/>
           </a:p>
           <a:p>
+            <a:r>
+              <a:rPr lang="en-US" dirty="0" err="1"/>
+              <a:t>Arays</a:t>
+            </a:r>
+            <a:endParaRPr lang="en-US" dirty="0"/>
+          </a:p>
+          <a:p>
+            <a:pPr lvl="1"/>
+            <a:r>
+              <a:rPr lang="en-US" dirty="0"/>
+              <a:t>https://</a:t>
+            </a:r>
+            <a:r>
+              <a:rPr lang="en-US" dirty="0" err="1"/>
+              <a:t>docs.oracle.com</a:t>
+            </a:r>
+            <a:r>
+              <a:rPr lang="en-US" dirty="0"/>
+              <a:t>/</a:t>
+            </a:r>
+            <a:r>
+              <a:rPr lang="en-US" dirty="0" err="1"/>
+              <a:t>javase</a:t>
+            </a:r>
+            <a:r>
+              <a:rPr lang="en-US" dirty="0"/>
+              <a:t>/tutorial/java/</a:t>
+            </a:r>
+            <a:r>
+              <a:rPr lang="en-US" dirty="0" err="1"/>
+              <a:t>nutsandbolts</a:t>
+            </a:r>
+            <a:r>
+              <a:rPr lang="en-US" dirty="0"/>
+              <a:t>/</a:t>
+            </a:r>
+            <a:r>
+              <a:rPr lang="en-US" dirty="0" err="1"/>
+              <a:t>arrays.html</a:t>
+            </a:r>
+            <a:endParaRPr lang="en-US" dirty="0"/>
+          </a:p>
+          <a:p>
+            <a:r>
+              <a:rPr lang="en-US" dirty="0"/>
+              <a:t>Disadvantage of arrays</a:t>
+            </a:r>
+          </a:p>
+          <a:p>
+            <a:pPr lvl="1"/>
             <a:r>
               <a:rPr lang="en-US" dirty="0">
                 <a:hlinkClick r:id="rId4"/>
               </a:rPr>
-              <a:t>https://docs.oracle.com/javase/tutorial/java/annotations/</a:t>
+              <a:t>https://www.dummies.com/programming/java/programming-java-the-limitations-of-arrays/</a:t>
             </a:r>
             <a:endParaRPr lang="en-US" dirty="0"/>
           </a:p>
           <a:p>
+            <a:pPr lvl="1"/>
+            <a:r>
+              <a:rPr lang="en-US" dirty="0"/>
+              <a:t>Fixed in size</a:t>
+            </a:r>
+          </a:p>
+          <a:p>
+            <a:pPr lvl="1"/>
+            <a:r>
+              <a:rPr lang="en-US" dirty="0"/>
+              <a:t>Arrays can hold homogenous data only</a:t>
+            </a:r>
+          </a:p>
+          <a:p>
+            <a:pPr lvl="1"/>
+            <a:r>
+              <a:rPr lang="en-US" dirty="0"/>
+              <a:t>No undelaying methods support to iterate, add, or remove or manipulate data</a:t>
+            </a:r>
+          </a:p>
+          <a:p>
+            <a:pPr lvl="1"/>
             <a:endParaRPr lang="en-US" dirty="0"/>
           </a:p>
           <a:p>
-            <a:endParaRPr lang="en-US" dirty="0"/>
+            <a:pPr lvl="1"/>
+            <a:r>
+              <a:rPr lang="en-US" dirty="0" err="1"/>
+              <a:t>ArraysVs</a:t>
+            </a:r>
+            <a:r>
+              <a:rPr lang="en-US" dirty="0"/>
+              <a:t> Collection</a:t>
+            </a:r>
+          </a:p>
+          <a:p>
+            <a:pPr lvl="2"/>
+            <a:r>
+              <a:rPr lang="en-US" dirty="0"/>
+              <a:t>https://</a:t>
+            </a:r>
+            <a:r>
+              <a:rPr lang="en-US" dirty="0" err="1"/>
+              <a:t>www.tutorialspoint.com</a:t>
+            </a:r>
+            <a:r>
+              <a:rPr lang="en-US" dirty="0"/>
+              <a:t>/difference-between-arrays-and-collection-in-java</a:t>
+            </a:r>
           </a:p>
         </p:txBody>
       </p:sp>
     </p:spTree>
     <p:extLst>
       <p:ext uri="{BB962C8B-B14F-4D97-AF65-F5344CB8AC3E}">
-        <p14:creationId xmlns:p14="http://schemas.microsoft.com/office/powerpoint/2010/main" val="3769608999"/>
+        <p14:creationId xmlns:p14="http://schemas.microsoft.com/office/powerpoint/2010/main" val="3156783641"/>
+      </p:ext>
+    </p:extLst>
+  </p:cSld>
+  <p:clrMapOvr>
+    <a:masterClrMapping/>
+  </p:clrMapOvr>
+</p:sld>
+</file>
+
+<file path=ppt/slides/slide30.xml><?xml version="1.0" encoding="utf-8"?>
+<p:sld xmlns:a="http://schemas.openxmlformats.org/drawingml/2006/main" xmlns:r="http://schemas.openxmlformats.org/officeDocument/2006/relationships" xmlns:p="http://schemas.openxmlformats.org/presentationml/2006/main">
+  <p:cSld>
+    <p:spTree>
+      <p:nvGrpSpPr>
+        <p:cNvPr id="1" name=""/>
+        <p:cNvGrpSpPr/>
+        <p:nvPr/>
+      </p:nvGrpSpPr>
+      <p:grpSpPr>
+        <a:xfrm>
+          <a:off x="0" y="0"/>
+          <a:ext cx="0" cy="0"/>
+          <a:chOff x="0" y="0"/>
+          <a:chExt cx="0" cy="0"/>
+        </a:xfrm>
+      </p:grpSpPr>
+      <p:sp>
+        <p:nvSpPr>
+          <p:cNvPr id="3" name="Content Placeholder 2">
+            <a:extLst>
+              <a:ext uri="{FF2B5EF4-FFF2-40B4-BE49-F238E27FC236}">
+                <a16:creationId xmlns:a16="http://schemas.microsoft.com/office/drawing/2014/main" id="{70AC14BC-1130-9D4F-AEC9-797A90C62F9D}"/>
+              </a:ext>
+            </a:extLst>
+          </p:cNvPr>
+          <p:cNvSpPr>
+            <a:spLocks noGrp="1"/>
+          </p:cNvSpPr>
+          <p:nvPr>
+            <p:ph idx="1"/>
+          </p:nvPr>
+        </p:nvSpPr>
+        <p:spPr>
+          <a:xfrm>
+            <a:off x="728663" y="457200"/>
+            <a:ext cx="10625137" cy="5719763"/>
+          </a:xfrm>
+        </p:spPr>
+        <p:txBody>
+          <a:bodyPr/>
+          <a:lstStyle/>
+          <a:p>
+            <a:endParaRPr lang="en-US" dirty="0"/>
+          </a:p>
+        </p:txBody>
+      </p:sp>
+    </p:spTree>
+    <p:extLst>
+      <p:ext uri="{BB962C8B-B14F-4D97-AF65-F5344CB8AC3E}">
+        <p14:creationId xmlns:p14="http://schemas.microsoft.com/office/powerpoint/2010/main" val="3955414204"/>
+      </p:ext>
+    </p:extLst>
+  </p:cSld>
+  <p:clrMapOvr>
+    <a:masterClrMapping/>
+  </p:clrMapOvr>
+</p:sld>
+</file>
+
+<file path=ppt/slides/slide31.xml><?xml version="1.0" encoding="utf-8"?>
+<p:sld xmlns:a="http://schemas.openxmlformats.org/drawingml/2006/main" xmlns:r="http://schemas.openxmlformats.org/officeDocument/2006/relationships" xmlns:p="http://schemas.openxmlformats.org/presentationml/2006/main">
+  <p:cSld>
+    <p:spTree>
+      <p:nvGrpSpPr>
+        <p:cNvPr id="1" name=""/>
+        <p:cNvGrpSpPr/>
+        <p:nvPr/>
+      </p:nvGrpSpPr>
+      <p:grpSpPr>
+        <a:xfrm>
+          <a:off x="0" y="0"/>
+          <a:ext cx="0" cy="0"/>
+          <a:chOff x="0" y="0"/>
+          <a:chExt cx="0" cy="0"/>
+        </a:xfrm>
+      </p:grpSpPr>
+      <p:sp>
+        <p:nvSpPr>
+          <p:cNvPr id="2" name="Title 1">
+            <a:extLst>
+              <a:ext uri="{FF2B5EF4-FFF2-40B4-BE49-F238E27FC236}">
+                <a16:creationId xmlns:a16="http://schemas.microsoft.com/office/drawing/2014/main" id="{6428C7E0-53E0-7B44-B976-4BA2533C3446}"/>
+              </a:ext>
+            </a:extLst>
+          </p:cNvPr>
+          <p:cNvSpPr>
+            <a:spLocks noGrp="1"/>
+          </p:cNvSpPr>
+          <p:nvPr>
+            <p:ph type="title"/>
+          </p:nvPr>
+        </p:nvSpPr>
+        <p:spPr/>
+        <p:txBody>
+          <a:bodyPr/>
+          <a:lstStyle/>
+          <a:p>
+            <a:endParaRPr lang="en-US"/>
+          </a:p>
+        </p:txBody>
+      </p:sp>
+      <p:sp>
+        <p:nvSpPr>
+          <p:cNvPr id="3" name="Content Placeholder 2">
+            <a:extLst>
+              <a:ext uri="{FF2B5EF4-FFF2-40B4-BE49-F238E27FC236}">
+                <a16:creationId xmlns:a16="http://schemas.microsoft.com/office/drawing/2014/main" id="{578A632E-4005-6F4C-AED6-00EB45C7071E}"/>
+              </a:ext>
+            </a:extLst>
+          </p:cNvPr>
+          <p:cNvSpPr>
+            <a:spLocks noGrp="1"/>
+          </p:cNvSpPr>
+          <p:nvPr>
+            <p:ph idx="1"/>
+          </p:nvPr>
+        </p:nvSpPr>
+        <p:spPr/>
+        <p:txBody>
+          <a:bodyPr/>
+          <a:lstStyle/>
+          <a:p>
+            <a:endParaRPr lang="en-US"/>
+          </a:p>
+        </p:txBody>
+      </p:sp>
+    </p:spTree>
+    <p:extLst>
+      <p:ext uri="{BB962C8B-B14F-4D97-AF65-F5344CB8AC3E}">
+        <p14:creationId xmlns:p14="http://schemas.microsoft.com/office/powerpoint/2010/main" val="2859544307"/>
       </p:ext>
     </p:extLst>
   </p:cSld>
@@ -4500,57 +8121,39 @@
           <a:chExt cx="0" cy="0"/>
         </a:xfrm>
       </p:grpSpPr>
-      <p:sp>
-        <p:nvSpPr>
-          <p:cNvPr id="3" name="Content Placeholder 2">
-            <a:extLst>
-              <a:ext uri="{FF2B5EF4-FFF2-40B4-BE49-F238E27FC236}">
-                <a16:creationId xmlns:a16="http://schemas.microsoft.com/office/drawing/2014/main" id="{70AC14BC-1130-9D4F-AEC9-797A90C62F9D}"/>
-              </a:ext>
-            </a:extLst>
-          </p:cNvPr>
-          <p:cNvSpPr>
-            <a:spLocks noGrp="1"/>
-          </p:cNvSpPr>
+      <p:pic>
+        <p:nvPicPr>
+          <p:cNvPr id="4" name="Content Placeholder 3">
+            <a:extLst>
+              <a:ext uri="{FF2B5EF4-FFF2-40B4-BE49-F238E27FC236}">
+                <a16:creationId xmlns:a16="http://schemas.microsoft.com/office/drawing/2014/main" id="{79786C7E-D7CC-0749-9305-8ECF1B36460A}"/>
+              </a:ext>
+            </a:extLst>
+          </p:cNvPr>
+          <p:cNvPicPr>
+            <a:picLocks noGrp="1" noChangeAspect="1"/>
+          </p:cNvPicPr>
           <p:nvPr>
             <p:ph idx="1"/>
           </p:nvPr>
-        </p:nvSpPr>
+        </p:nvPicPr>
+        <p:blipFill>
+          <a:blip r:embed="rId3"/>
+          <a:stretch>
+            <a:fillRect/>
+          </a:stretch>
+        </p:blipFill>
         <p:spPr>
           <a:xfrm>
-            <a:off x="728663" y="457200"/>
-            <a:ext cx="10625137" cy="5719763"/>
+            <a:off x="2319867" y="1900627"/>
+            <a:ext cx="8375914" cy="3188104"/>
           </a:xfrm>
         </p:spPr>
-        <p:txBody>
-          <a:bodyPr/>
-          <a:lstStyle/>
-          <a:p>
-            <a:r>
-              <a:rPr lang="en-US" dirty="0"/>
-              <a:t>Collection</a:t>
-            </a:r>
-          </a:p>
-          <a:p>
-            <a:r>
-              <a:rPr lang="en-US" dirty="0"/>
-              <a:t>https://</a:t>
-            </a:r>
-            <a:r>
-              <a:rPr lang="en-US" dirty="0" err="1"/>
-              <a:t>www.javatpoint.com</a:t>
-            </a:r>
-            <a:r>
-              <a:rPr lang="en-US" dirty="0"/>
-              <a:t>/collections-in-java</a:t>
-            </a:r>
-          </a:p>
-        </p:txBody>
-      </p:sp>
+      </p:pic>
     </p:spTree>
     <p:extLst>
       <p:ext uri="{BB962C8B-B14F-4D97-AF65-F5344CB8AC3E}">
-        <p14:creationId xmlns:p14="http://schemas.microsoft.com/office/powerpoint/2010/main" val="3156783641"/>
+        <p14:creationId xmlns:p14="http://schemas.microsoft.com/office/powerpoint/2010/main" val="686097990"/>
       </p:ext>
     </p:extLst>
   </p:cSld>
@@ -4577,66 +8180,39 @@
           <a:chExt cx="0" cy="0"/>
         </a:xfrm>
       </p:grpSpPr>
-      <p:sp>
-        <p:nvSpPr>
-          <p:cNvPr id="3" name="Content Placeholder 2">
-            <a:extLst>
-              <a:ext uri="{FF2B5EF4-FFF2-40B4-BE49-F238E27FC236}">
-                <a16:creationId xmlns:a16="http://schemas.microsoft.com/office/drawing/2014/main" id="{70AC14BC-1130-9D4F-AEC9-797A90C62F9D}"/>
-              </a:ext>
-            </a:extLst>
-          </p:cNvPr>
-          <p:cNvSpPr>
-            <a:spLocks noGrp="1"/>
-          </p:cNvSpPr>
+      <p:pic>
+        <p:nvPicPr>
+          <p:cNvPr id="4" name="Content Placeholder 3">
+            <a:extLst>
+              <a:ext uri="{FF2B5EF4-FFF2-40B4-BE49-F238E27FC236}">
+                <a16:creationId xmlns:a16="http://schemas.microsoft.com/office/drawing/2014/main" id="{EAD3FA2F-0980-CC4D-85D6-81B2DBC5D665}"/>
+              </a:ext>
+            </a:extLst>
+          </p:cNvPr>
+          <p:cNvPicPr>
+            <a:picLocks noGrp="1" noChangeAspect="1"/>
+          </p:cNvPicPr>
           <p:nvPr>
             <p:ph idx="1"/>
           </p:nvPr>
-        </p:nvSpPr>
+        </p:nvPicPr>
+        <p:blipFill>
+          <a:blip r:embed="rId3"/>
+          <a:stretch>
+            <a:fillRect/>
+          </a:stretch>
+        </p:blipFill>
         <p:spPr>
           <a:xfrm>
-            <a:off x="728663" y="457200"/>
-            <a:ext cx="10625137" cy="5719763"/>
+            <a:off x="1545431" y="1551781"/>
+            <a:ext cx="8991600" cy="3530600"/>
           </a:xfrm>
         </p:spPr>
-        <p:txBody>
-          <a:bodyPr/>
-          <a:lstStyle/>
-          <a:p>
-            <a:r>
-              <a:rPr lang="en-US" dirty="0"/>
-              <a:t>Lambda Expression</a:t>
-            </a:r>
-          </a:p>
-          <a:p>
-            <a:r>
-              <a:rPr lang="en-US" dirty="0">
-                <a:hlinkClick r:id="rId2"/>
-              </a:rPr>
-              <a:t>https://www.javatpoint.com/java-lambda-expressions</a:t>
-            </a:r>
-            <a:endParaRPr lang="en-US" dirty="0"/>
-          </a:p>
-          <a:p>
-            <a:r>
-              <a:rPr lang="en-US" dirty="0"/>
-              <a:t>https://</a:t>
-            </a:r>
-            <a:r>
-              <a:rPr lang="en-US" dirty="0" err="1"/>
-              <a:t>www.geeksforgeeks.org</a:t>
-            </a:r>
-            <a:r>
-              <a:rPr lang="en-US" dirty="0"/>
-              <a:t>/lambda-expressions-java-8/</a:t>
-            </a:r>
-          </a:p>
-        </p:txBody>
-      </p:sp>
+      </p:pic>
     </p:spTree>
     <p:extLst>
       <p:ext uri="{BB962C8B-B14F-4D97-AF65-F5344CB8AC3E}">
-        <p14:creationId xmlns:p14="http://schemas.microsoft.com/office/powerpoint/2010/main" val="143302237"/>
+        <p14:creationId xmlns:p14="http://schemas.microsoft.com/office/powerpoint/2010/main" val="36975852"/>
       </p:ext>
     </p:extLst>
   </p:cSld>
@@ -4686,38 +8262,122 @@
           </a:xfrm>
         </p:spPr>
         <p:txBody>
-          <a:bodyPr/>
+          <a:bodyPr>
+            <a:normAutofit/>
+          </a:bodyPr>
           <a:lstStyle/>
           <a:p>
             <a:r>
               <a:rPr lang="en-US" dirty="0"/>
-              <a:t>Generics</a:t>
-            </a:r>
-          </a:p>
-          <a:p>
+              <a:t>Collections Interfaces</a:t>
+            </a:r>
+          </a:p>
+          <a:p>
+            <a:pPr lvl="1"/>
             <a:r>
               <a:rPr lang="en-US" dirty="0">
-                <a:hlinkClick r:id="rId2"/>
+                <a:hlinkClick r:id="rId3"/>
               </a:rPr>
-              <a:t>https://www.javatpoint.com/generics-in-java</a:t>
+              <a:t>https://docs.oracle.com/javase/tutorial/collections/interfaces/index.html</a:t>
             </a:r>
             <a:endParaRPr lang="en-US" dirty="0"/>
           </a:p>
           <a:p>
+            <a:pPr lvl="1"/>
+            <a:r>
+              <a:rPr lang="en-US" dirty="0"/>
+              <a:t>https://</a:t>
+            </a:r>
+            <a:r>
+              <a:rPr lang="en-US" dirty="0" err="1"/>
+              <a:t>docs.oracle.com</a:t>
+            </a:r>
+            <a:r>
+              <a:rPr lang="en-US" dirty="0"/>
+              <a:t>/</a:t>
+            </a:r>
+            <a:r>
+              <a:rPr lang="en-US" dirty="0" err="1"/>
+              <a:t>javase</a:t>
+            </a:r>
+            <a:r>
+              <a:rPr lang="en-US" dirty="0"/>
+              <a:t>/8/docs/</a:t>
+            </a:r>
+            <a:r>
+              <a:rPr lang="en-US" dirty="0" err="1"/>
+              <a:t>api</a:t>
+            </a:r>
+            <a:r>
+              <a:rPr lang="en-US" dirty="0"/>
+              <a:t>/</a:t>
+            </a:r>
+            <a:r>
+              <a:rPr lang="en-US" dirty="0" err="1"/>
+              <a:t>index.html?java</a:t>
+            </a:r>
+            <a:r>
+              <a:rPr lang="en-US" dirty="0"/>
+              <a:t>/</a:t>
+            </a:r>
+            <a:r>
+              <a:rPr lang="en-US" dirty="0" err="1"/>
+              <a:t>util</a:t>
+            </a:r>
+            <a:r>
+              <a:rPr lang="en-US" dirty="0"/>
+              <a:t>/</a:t>
+            </a:r>
+            <a:r>
+              <a:rPr lang="en-US" dirty="0" err="1"/>
+              <a:t>Collection.html</a:t>
+            </a:r>
             <a:endParaRPr lang="en-US" dirty="0"/>
           </a:p>
           <a:p>
+            <a:pPr lvl="1"/>
             <a:endParaRPr lang="en-US" dirty="0"/>
           </a:p>
           <a:p>
+            <a:pPr lvl="1"/>
             <a:endParaRPr lang="en-US" dirty="0"/>
           </a:p>
         </p:txBody>
       </p:sp>
+      <p:pic>
+        <p:nvPicPr>
+          <p:cNvPr id="4" name="Picture 3">
+            <a:extLst>
+              <a:ext uri="{FF2B5EF4-FFF2-40B4-BE49-F238E27FC236}">
+                <a16:creationId xmlns:a16="http://schemas.microsoft.com/office/drawing/2014/main" id="{43D42159-2BED-6F49-B879-F3176BFAE3B0}"/>
+              </a:ext>
+            </a:extLst>
+          </p:cNvPr>
+          <p:cNvPicPr>
+            <a:picLocks noChangeAspect="1"/>
+          </p:cNvPicPr>
+          <p:nvPr/>
+        </p:nvPicPr>
+        <p:blipFill>
+          <a:blip r:embed="rId4"/>
+          <a:stretch>
+            <a:fillRect/>
+          </a:stretch>
+        </p:blipFill>
+        <p:spPr>
+          <a:xfrm>
+            <a:off x="2269065" y="1922493"/>
+            <a:ext cx="8245475" cy="4254470"/>
+          </a:xfrm>
+          <a:prstGeom prst="rect">
+            <a:avLst/>
+          </a:prstGeom>
+        </p:spPr>
+      </p:pic>
     </p:spTree>
     <p:extLst>
       <p:ext uri="{BB962C8B-B14F-4D97-AF65-F5344CB8AC3E}">
-        <p14:creationId xmlns:p14="http://schemas.microsoft.com/office/powerpoint/2010/main" val="3195687309"/>
+        <p14:creationId xmlns:p14="http://schemas.microsoft.com/office/powerpoint/2010/main" val="2486747927"/>
       </p:ext>
     </p:extLst>
   </p:cSld>
@@ -4767,32 +8427,66 @@
           </a:xfrm>
         </p:spPr>
         <p:txBody>
-          <a:bodyPr/>
+          <a:bodyPr>
+            <a:normAutofit/>
+          </a:bodyPr>
           <a:lstStyle/>
           <a:p>
             <a:r>
               <a:rPr lang="en-US" dirty="0"/>
-              <a:t>IO</a:t>
-            </a:r>
-          </a:p>
-          <a:p>
+              <a:t>List Interface</a:t>
+            </a:r>
+          </a:p>
+          <a:p>
+            <a:pPr lvl="1"/>
             <a:r>
               <a:rPr lang="en-US" dirty="0">
-                <a:hlinkClick r:id="rId2"/>
+                <a:hlinkClick r:id="rId3"/>
               </a:rPr>
-              <a:t>https://www.javatpoint.com/java-bufferedinputstream-class</a:t>
+              <a:t>https://docs.oracle.com/javase/7/docs/api/index.html?java/util/List.html</a:t>
             </a:r>
             <a:endParaRPr lang="en-US" dirty="0"/>
           </a:p>
           <a:p>
+            <a:pPr lvl="1"/>
             <a:endParaRPr lang="en-US" dirty="0"/>
           </a:p>
         </p:txBody>
       </p:sp>
+      <p:pic>
+        <p:nvPicPr>
+          <p:cNvPr id="4" name="Picture 3">
+            <a:extLst>
+              <a:ext uri="{FF2B5EF4-FFF2-40B4-BE49-F238E27FC236}">
+                <a16:creationId xmlns:a16="http://schemas.microsoft.com/office/drawing/2014/main" id="{EB9D498C-82FD-D94A-9023-79F001B1BBC7}"/>
+              </a:ext>
+            </a:extLst>
+          </p:cNvPr>
+          <p:cNvPicPr>
+            <a:picLocks noChangeAspect="1"/>
+          </p:cNvPicPr>
+          <p:nvPr/>
+        </p:nvPicPr>
+        <p:blipFill>
+          <a:blip r:embed="rId4"/>
+          <a:stretch>
+            <a:fillRect/>
+          </a:stretch>
+        </p:blipFill>
+        <p:spPr>
+          <a:xfrm>
+            <a:off x="1435100" y="1384300"/>
+            <a:ext cx="9321800" cy="4089400"/>
+          </a:xfrm>
+          <a:prstGeom prst="rect">
+            <a:avLst/>
+          </a:prstGeom>
+        </p:spPr>
+      </p:pic>
     </p:spTree>
     <p:extLst>
       <p:ext uri="{BB962C8B-B14F-4D97-AF65-F5344CB8AC3E}">
-        <p14:creationId xmlns:p14="http://schemas.microsoft.com/office/powerpoint/2010/main" val="3239083189"/>
+        <p14:creationId xmlns:p14="http://schemas.microsoft.com/office/powerpoint/2010/main" val="850298827"/>
       </p:ext>
     </p:extLst>
   </p:cSld>
@@ -4842,20 +8536,34 @@
           </a:xfrm>
         </p:spPr>
         <p:txBody>
-          <a:bodyPr/>
+          <a:bodyPr>
+            <a:normAutofit/>
+          </a:bodyPr>
           <a:lstStyle/>
           <a:p>
             <a:r>
               <a:rPr lang="en-US" dirty="0"/>
-              <a:t>Thread</a:t>
-            </a:r>
-          </a:p>
-          <a:p>
-            <a:r>
-              <a:rPr lang="en-US" dirty="0">
-                <a:hlinkClick r:id="rId2"/>
-              </a:rPr>
-              <a:t>https://www.javatpoint.com/creating-thread</a:t>
+              <a:t>https://</a:t>
+            </a:r>
+            <a:r>
+              <a:rPr lang="en-US" dirty="0" err="1"/>
+              <a:t>docs.oracle.com</a:t>
+            </a:r>
+            <a:r>
+              <a:rPr lang="en-US" dirty="0"/>
+              <a:t>/</a:t>
+            </a:r>
+            <a:r>
+              <a:rPr lang="en-US" dirty="0" err="1"/>
+              <a:t>javase</a:t>
+            </a:r>
+            <a:r>
+              <a:rPr lang="en-US" dirty="0"/>
+              <a:t>/tutorial/</a:t>
+            </a:r>
+            <a:r>
+              <a:rPr lang="en-US" dirty="0" err="1"/>
+              <a:t>index.html</a:t>
             </a:r>
             <a:endParaRPr lang="en-US" dirty="0"/>
           </a:p>
@@ -4867,7 +8575,7 @@
     </p:spTree>
     <p:extLst>
       <p:ext uri="{BB962C8B-B14F-4D97-AF65-F5344CB8AC3E}">
-        <p14:creationId xmlns:p14="http://schemas.microsoft.com/office/powerpoint/2010/main" val="4036396783"/>
+        <p14:creationId xmlns:p14="http://schemas.microsoft.com/office/powerpoint/2010/main" val="3766896259"/>
       </p:ext>
     </p:extLst>
   </p:cSld>
@@ -4917,37 +8625,19 @@
           </a:xfrm>
         </p:spPr>
         <p:txBody>
-          <a:bodyPr/>
-          <a:lstStyle/>
-          <a:p>
-            <a:r>
-              <a:rPr lang="en-US" dirty="0"/>
-              <a:t>Exception Handling</a:t>
-            </a:r>
-          </a:p>
-          <a:p>
-            <a:pPr marL="0" indent="0">
-              <a:buNone/>
-            </a:pPr>
-            <a:r>
-              <a:rPr lang="en-US" dirty="0"/>
-              <a:t>https://</a:t>
-            </a:r>
-            <a:r>
-              <a:rPr lang="en-US" dirty="0" err="1"/>
-              <a:t>www.javatpoint.com</a:t>
-            </a:r>
-            <a:r>
-              <a:rPr lang="en-US" dirty="0"/>
-              <a:t>/exception-handling-in-java</a:t>
-            </a:r>
+          <a:bodyPr>
+            <a:normAutofit/>
+          </a:bodyPr>
+          <a:lstStyle/>
+          <a:p>
+            <a:endParaRPr lang="en-US" dirty="0"/>
           </a:p>
         </p:txBody>
       </p:sp>
     </p:spTree>
     <p:extLst>
       <p:ext uri="{BB962C8B-B14F-4D97-AF65-F5344CB8AC3E}">
-        <p14:creationId xmlns:p14="http://schemas.microsoft.com/office/powerpoint/2010/main" val="1256936135"/>
+        <p14:creationId xmlns:p14="http://schemas.microsoft.com/office/powerpoint/2010/main" val="2662710738"/>
       </p:ext>
     </p:extLst>
   </p:cSld>
@@ -5250,4 +8940,299 @@
     </a:ext>
   </a:extLst>
 </a:theme>
+</file>
+
+<file path=ppt/theme/theme2.xml><?xml version="1.0" encoding="utf-8"?>
+<a:theme xmlns:a="http://schemas.openxmlformats.org/drawingml/2006/main" name="Office Theme">
+  <a:themeElements>
+    <a:clrScheme name="Office">
+      <a:dk1>
+        <a:sysClr val="windowText" lastClr="000000"/>
+      </a:dk1>
+      <a:lt1>
+        <a:sysClr val="window" lastClr="FFFFFF"/>
+      </a:lt1>
+      <a:dk2>
+        <a:srgbClr val="44546A"/>
+      </a:dk2>
+      <a:lt2>
+        <a:srgbClr val="E7E6E6"/>
+      </a:lt2>
+      <a:accent1>
+        <a:srgbClr val="4472C4"/>
+      </a:accent1>
+      <a:accent2>
+        <a:srgbClr val="ED7D31"/>
+      </a:accent2>
+      <a:accent3>
+        <a:srgbClr val="A5A5A5"/>
+      </a:accent3>
+      <a:accent4>
+        <a:srgbClr val="FFC000"/>
+      </a:accent4>
+      <a:accent5>
+        <a:srgbClr val="5B9BD5"/>
+      </a:accent5>
+      <a:accent6>
+        <a:srgbClr val="70AD47"/>
+      </a:accent6>
+      <a:hlink>
+        <a:srgbClr val="0563C1"/>
+      </a:hlink>
+      <a:folHlink>
+        <a:srgbClr val="954F72"/>
+      </a:folHlink>
+    </a:clrScheme>
+    <a:fontScheme name="Office">
+      <a:majorFont>
+        <a:latin typeface="Calibri Light" panose="020F0302020204030204"/>
+        <a:ea typeface=""/>
+        <a:cs typeface=""/>
+        <a:font script="Jpan" typeface="游ゴシック Light"/>
+        <a:font script="Hang" typeface="맑은 고딕"/>
+        <a:font script="Hans" typeface="等线 Light"/>
+        <a:font script="Hant" typeface="新細明體"/>
+        <a:font script="Arab" typeface="Times New Roman"/>
+        <a:font script="Hebr" typeface="Times New Roman"/>
+        <a:font script="Thai" typeface="Angsana New"/>
+        <a:font script="Ethi" typeface="Nyala"/>
+        <a:font script="Beng" typeface="Vrinda"/>
+        <a:font script="Gujr" typeface="Shruti"/>
+        <a:font script="Khmr" typeface="MoolBoran"/>
+        <a:font script="Knda" typeface="Tunga"/>
+        <a:font script="Guru" typeface="Raavi"/>
+        <a:font script="Cans" typeface="Euphemia"/>
+        <a:font script="Cher" typeface="Plantagenet Cherokee"/>
+        <a:font script="Yiii" typeface="Microsoft Yi Baiti"/>
+        <a:font script="Tibt" typeface="Microsoft Himalaya"/>
+        <a:font script="Thaa" typeface="MV Boli"/>
+        <a:font script="Deva" typeface="Mangal"/>
+        <a:font script="Telu" typeface="Gautami"/>
+        <a:font script="Taml" typeface="Latha"/>
+        <a:font script="Syrc" typeface="Estrangelo Edessa"/>
+        <a:font script="Orya" typeface="Kalinga"/>
+        <a:font script="Mlym" typeface="Kartika"/>
+        <a:font script="Laoo" typeface="DokChampa"/>
+        <a:font script="Sinh" typeface="Iskoola Pota"/>
+        <a:font script="Mong" typeface="Mongolian Baiti"/>
+        <a:font script="Viet" typeface="Times New Roman"/>
+        <a:font script="Uigh" typeface="Microsoft Uighur"/>
+        <a:font script="Geor" typeface="Sylfaen"/>
+        <a:font script="Armn" typeface="Arial"/>
+        <a:font script="Bugi" typeface="Leelawadee UI"/>
+        <a:font script="Bopo" typeface="Microsoft JhengHei"/>
+        <a:font script="Java" typeface="Javanese Text"/>
+        <a:font script="Lisu" typeface="Segoe UI"/>
+        <a:font script="Mymr" typeface="Myanmar Text"/>
+        <a:font script="Nkoo" typeface="Ebrima"/>
+        <a:font script="Olck" typeface="Nirmala UI"/>
+        <a:font script="Osma" typeface="Ebrima"/>
+        <a:font script="Phag" typeface="Phagspa"/>
+        <a:font script="Syrn" typeface="Estrangelo Edessa"/>
+        <a:font script="Syrj" typeface="Estrangelo Edessa"/>
+        <a:font script="Syre" typeface="Estrangelo Edessa"/>
+        <a:font script="Sora" typeface="Nirmala UI"/>
+        <a:font script="Tale" typeface="Microsoft Tai Le"/>
+        <a:font script="Talu" typeface="Microsoft New Tai Lue"/>
+        <a:font script="Tfng" typeface="Ebrima"/>
+      </a:majorFont>
+      <a:minorFont>
+        <a:latin typeface="Calibri" panose="020F0502020204030204"/>
+        <a:ea typeface=""/>
+        <a:cs typeface=""/>
+        <a:font script="Jpan" typeface="游ゴシック"/>
+        <a:font script="Hang" typeface="맑은 고딕"/>
+        <a:font script="Hans" typeface="等线"/>
+        <a:font script="Hant" typeface="新細明體"/>
+        <a:font script="Arab" typeface="Arial"/>
+        <a:font script="Hebr" typeface="Arial"/>
+        <a:font script="Thai" typeface="Cordia New"/>
+        <a:font script="Ethi" typeface="Nyala"/>
+        <a:font script="Beng" typeface="Vrinda"/>
+        <a:font script="Gujr" typeface="Shruti"/>
+        <a:font script="Khmr" typeface="DaunPenh"/>
+        <a:font script="Knda" typeface="Tunga"/>
+        <a:font script="Guru" typeface="Raavi"/>
+        <a:font script="Cans" typeface="Euphemia"/>
+        <a:font script="Cher" typeface="Plantagenet Cherokee"/>
+        <a:font script="Yiii" typeface="Microsoft Yi Baiti"/>
+        <a:font script="Tibt" typeface="Microsoft Himalaya"/>
+        <a:font script="Thaa" typeface="MV Boli"/>
+        <a:font script="Deva" typeface="Mangal"/>
+        <a:font script="Telu" typeface="Gautami"/>
+        <a:font script="Taml" typeface="Latha"/>
+        <a:font script="Syrc" typeface="Estrangelo Edessa"/>
+        <a:font script="Orya" typeface="Kalinga"/>
+        <a:font script="Mlym" typeface="Kartika"/>
+        <a:font script="Laoo" typeface="DokChampa"/>
+        <a:font script="Sinh" typeface="Iskoola Pota"/>
+        <a:font script="Mong" typeface="Mongolian Baiti"/>
+        <a:font script="Viet" typeface="Arial"/>
+        <a:font script="Uigh" typeface="Microsoft Uighur"/>
+        <a:font script="Geor" typeface="Sylfaen"/>
+        <a:font script="Armn" typeface="Arial"/>
+        <a:font script="Bugi" typeface="Leelawadee UI"/>
+        <a:font script="Bopo" typeface="Microsoft JhengHei"/>
+        <a:font script="Java" typeface="Javanese Text"/>
+        <a:font script="Lisu" typeface="Segoe UI"/>
+        <a:font script="Mymr" typeface="Myanmar Text"/>
+        <a:font script="Nkoo" typeface="Ebrima"/>
+        <a:font script="Olck" typeface="Nirmala UI"/>
+        <a:font script="Osma" typeface="Ebrima"/>
+        <a:font script="Phag" typeface="Phagspa"/>
+        <a:font script="Syrn" typeface="Estrangelo Edessa"/>
+        <a:font script="Syrj" typeface="Estrangelo Edessa"/>
+        <a:font script="Syre" typeface="Estrangelo Edessa"/>
+        <a:font script="Sora" typeface="Nirmala UI"/>
+        <a:font script="Tale" typeface="Microsoft Tai Le"/>
+        <a:font script="Talu" typeface="Microsoft New Tai Lue"/>
+        <a:font script="Tfng" typeface="Ebrima"/>
+      </a:minorFont>
+    </a:fontScheme>
+    <a:fmtScheme name="Office">
+      <a:fillStyleLst>
+        <a:solidFill>
+          <a:schemeClr val="phClr"/>
+        </a:solidFill>
+        <a:gradFill rotWithShape="1">
+          <a:gsLst>
+            <a:gs pos="0">
+              <a:schemeClr val="phClr">
+                <a:lumMod val="110000"/>
+                <a:satMod val="105000"/>
+                <a:tint val="67000"/>
+              </a:schemeClr>
+            </a:gs>
+            <a:gs pos="50000">
+              <a:schemeClr val="phClr">
+                <a:lumMod val="105000"/>
+                <a:satMod val="103000"/>
+                <a:tint val="73000"/>
+              </a:schemeClr>
+            </a:gs>
+            <a:gs pos="100000">
+              <a:schemeClr val="phClr">
+                <a:lumMod val="105000"/>
+                <a:satMod val="109000"/>
+                <a:tint val="81000"/>
+              </a:schemeClr>
+            </a:gs>
+          </a:gsLst>
+          <a:lin ang="5400000" scaled="0"/>
+        </a:gradFill>
+        <a:gradFill rotWithShape="1">
+          <a:gsLst>
+            <a:gs pos="0">
+              <a:schemeClr val="phClr">
+                <a:satMod val="103000"/>
+                <a:lumMod val="102000"/>
+                <a:tint val="94000"/>
+              </a:schemeClr>
+            </a:gs>
+            <a:gs pos="50000">
+              <a:schemeClr val="phClr">
+                <a:satMod val="110000"/>
+                <a:lumMod val="100000"/>
+                <a:shade val="100000"/>
+              </a:schemeClr>
+            </a:gs>
+            <a:gs pos="100000">
+              <a:schemeClr val="phClr">
+                <a:lumMod val="99000"/>
+                <a:satMod val="120000"/>
+                <a:shade val="78000"/>
+              </a:schemeClr>
+            </a:gs>
+          </a:gsLst>
+          <a:lin ang="5400000" scaled="0"/>
+        </a:gradFill>
+      </a:fillStyleLst>
+      <a:lnStyleLst>
+        <a:ln w="6350" cap="flat" cmpd="sng" algn="ctr">
+          <a:solidFill>
+            <a:schemeClr val="phClr"/>
+          </a:solidFill>
+          <a:prstDash val="solid"/>
+          <a:miter lim="800000"/>
+        </a:ln>
+        <a:ln w="12700" cap="flat" cmpd="sng" algn="ctr">
+          <a:solidFill>
+            <a:schemeClr val="phClr"/>
+          </a:solidFill>
+          <a:prstDash val="solid"/>
+          <a:miter lim="800000"/>
+        </a:ln>
+        <a:ln w="19050" cap="flat" cmpd="sng" algn="ctr">
+          <a:solidFill>
+            <a:schemeClr val="phClr"/>
+          </a:solidFill>
+          <a:prstDash val="solid"/>
+          <a:miter lim="800000"/>
+        </a:ln>
+      </a:lnStyleLst>
+      <a:effectStyleLst>
+        <a:effectStyle>
+          <a:effectLst/>
+        </a:effectStyle>
+        <a:effectStyle>
+          <a:effectLst/>
+        </a:effectStyle>
+        <a:effectStyle>
+          <a:effectLst>
+            <a:outerShdw blurRad="57150" dist="19050" dir="5400000" algn="ctr" rotWithShape="0">
+              <a:srgbClr val="000000">
+                <a:alpha val="63000"/>
+              </a:srgbClr>
+            </a:outerShdw>
+          </a:effectLst>
+        </a:effectStyle>
+      </a:effectStyleLst>
+      <a:bgFillStyleLst>
+        <a:solidFill>
+          <a:schemeClr val="phClr"/>
+        </a:solidFill>
+        <a:solidFill>
+          <a:schemeClr val="phClr">
+            <a:tint val="95000"/>
+            <a:satMod val="170000"/>
+          </a:schemeClr>
+        </a:solidFill>
+        <a:gradFill rotWithShape="1">
+          <a:gsLst>
+            <a:gs pos="0">
+              <a:schemeClr val="phClr">
+                <a:tint val="93000"/>
+                <a:satMod val="150000"/>
+                <a:shade val="98000"/>
+                <a:lumMod val="102000"/>
+              </a:schemeClr>
+            </a:gs>
+            <a:gs pos="50000">
+              <a:schemeClr val="phClr">
+                <a:tint val="98000"/>
+                <a:satMod val="130000"/>
+                <a:shade val="90000"/>
+                <a:lumMod val="103000"/>
+              </a:schemeClr>
+            </a:gs>
+            <a:gs pos="100000">
+              <a:schemeClr val="phClr">
+                <a:shade val="63000"/>
+                <a:satMod val="120000"/>
+              </a:schemeClr>
+            </a:gs>
+          </a:gsLst>
+          <a:lin ang="5400000" scaled="0"/>
+        </a:gradFill>
+      </a:bgFillStyleLst>
+    </a:fmtScheme>
+  </a:themeElements>
+  <a:objectDefaults/>
+  <a:extraClrSchemeLst/>
+  <a:extLst>
+    <a:ext uri="{05A4C25C-085E-4340-85A3-A5531E510DB2}">
+      <thm15:themeFamily xmlns:thm15="http://schemas.microsoft.com/office/thememl/2012/main" name="Office Theme" id="{62F939B6-93AF-4DB8-9C6B-D6C7DFDC589F}" vid="{4A3C46E8-61CC-4603-A589-7422A47A8E4A}"/>
+    </a:ext>
+  </a:extLst>
+</a:theme>
 </file>